--- a/VisitorPattern.pptx
+++ b/VisitorPattern.pptx
@@ -11,6 +11,7 @@
     <p:sldId id="259" r:id="rId5"/>
     <p:sldId id="260" r:id="rId6"/>
     <p:sldId id="261" r:id="rId7"/>
+    <p:sldId id="262" r:id="rId8"/>
   </p:sldIdLst>
   <p:sldSz cx="12192000" cy="6858000"/>
   <p:notesSz cx="6858000" cy="9144000"/>
@@ -115,14 +116,6 @@
     </p:ext>
   </p:extLst>
 </p:presentation>
-</file>
-
-<file path=ppt/revisionInfo.xml><?xml version="1.0" encoding="utf-8"?>
-<p1510:revInfo xmlns:a="http://schemas.openxmlformats.org/drawingml/2006/main" xmlns:r="http://schemas.openxmlformats.org/officeDocument/2006/relationships" xmlns:p1510="http://schemas.microsoft.com/office/powerpoint/2015/10/main">
-  <p1510:revLst>
-    <p1510:client id="{4AD4C608-054E-4BC2-BBB1-58CD9870C0B8}" v="4729" dt="2021-11-04T18:16:00.510"/>
-  </p1510:revLst>
-</p1510:revInfo>
 </file>
 
 <file path=ppt/slideLayouts/slideLayout1.xml><?xml version="1.0" encoding="utf-8"?>
@@ -3665,9 +3658,9 @@
           </a:bodyPr>
           <a:lstStyle/>
           <a:p>
-            <a:pPr algn="r"/>
-            <a:r>
-              <a:rPr lang="de-DE" dirty="0">
+            <a:pPr algn="ctr"/>
+            <a:r>
+              <a:rPr lang="de-DE" sz="3600" dirty="0">
                 <a:solidFill>
                   <a:srgbClr val="FFFFFF"/>
                 </a:solidFill>
@@ -3675,15 +3668,46 @@
               <a:t>Design </a:t>
             </a:r>
             <a:r>
-              <a:rPr lang="de-DE" dirty="0" err="1">
+              <a:rPr lang="de-DE" sz="3600" dirty="0" err="1">
                 <a:solidFill>
                   <a:srgbClr val="FFFFFF"/>
                 </a:solidFill>
               </a:rPr>
-              <a:t>pattern:le</a:t>
-            </a:r>
-            <a:r>
-              <a:rPr lang="de-DE" dirty="0">
+              <a:t>pattern</a:t>
+            </a:r>
+            <a:r>
+              <a:rPr lang="de-DE" sz="3600" dirty="0">
+                <a:solidFill>
+                  <a:srgbClr val="FFFFFF"/>
+                </a:solidFill>
+              </a:rPr>
+              <a:t>:</a:t>
+            </a:r>
+            <a:br>
+              <a:rPr lang="de-DE" sz="3600" dirty="0">
+                <a:solidFill>
+                  <a:srgbClr val="FFFFFF"/>
+                </a:solidFill>
+              </a:rPr>
+            </a:br>
+            <a:r>
+              <a:rPr lang="de-DE" sz="3600" dirty="0">
+                <a:solidFill>
+                  <a:srgbClr val="FFFFFF"/>
+                </a:solidFill>
+              </a:rPr>
+              <a:t>le </a:t>
+            </a:r>
+            <a:r>
+              <a:rPr lang="de-DE" sz="3600" dirty="0" err="1">
+                <a:solidFill>
+                  <a:srgbClr val="FFFFFF"/>
+                </a:solidFill>
+              </a:rPr>
+              <a:t>visitor</a:t>
+            </a:r>
+            <a:r>
+              <a:rPr lang="de-DE" sz="3600" dirty="0">
                 <a:solidFill>
                   <a:srgbClr val="FFFFFF"/>
                 </a:solidFill>
@@ -3691,29 +3715,18 @@
               <a:t> </a:t>
             </a:r>
             <a:r>
-              <a:rPr lang="de-DE" dirty="0" err="1">
-                <a:solidFill>
-                  <a:srgbClr val="FFFFFF"/>
-                </a:solidFill>
-              </a:rPr>
-              <a:t>visitor</a:t>
-            </a:r>
-            <a:r>
-              <a:rPr lang="de-DE" dirty="0">
-                <a:solidFill>
-                  <a:srgbClr val="FFFFFF"/>
-                </a:solidFill>
-              </a:rPr>
-              <a:t> </a:t>
-            </a:r>
-            <a:r>
-              <a:rPr lang="de-DE" dirty="0" err="1">
+              <a:rPr lang="de-DE" sz="3600" dirty="0" err="1">
                 <a:solidFill>
                   <a:srgbClr val="FFFFFF"/>
                 </a:solidFill>
               </a:rPr>
               <a:t>pattern</a:t>
             </a:r>
+            <a:endParaRPr lang="de-DE" sz="3600" dirty="0">
+              <a:solidFill>
+                <a:srgbClr val="FFFFFF"/>
+              </a:solidFill>
+            </a:endParaRPr>
           </a:p>
         </p:txBody>
       </p:sp>
@@ -3742,7 +3755,10 @@
             <a:r>
               <a:rPr lang="de-DE" dirty="0" err="1">
                 <a:solidFill>
-                  <a:srgbClr val="FFFFFF"/>
+                  <a:schemeClr val="accent1">
+                    <a:lumMod val="20000"/>
+                    <a:lumOff val="80000"/>
+                  </a:schemeClr>
                 </a:solidFill>
               </a:rPr>
               <a:t>Présenté</a:t>
@@ -3750,7 +3766,10 @@
             <a:r>
               <a:rPr lang="de-DE" dirty="0">
                 <a:solidFill>
-                  <a:srgbClr val="FFFFFF"/>
+                  <a:schemeClr val="accent1">
+                    <a:lumMod val="20000"/>
+                    <a:lumOff val="80000"/>
+                  </a:schemeClr>
                 </a:solidFill>
               </a:rPr>
               <a:t> par :</a:t>
@@ -3763,7 +3782,10 @@
             <a:r>
               <a:rPr lang="de-DE" dirty="0" err="1">
                 <a:solidFill>
-                  <a:srgbClr val="FFFFFF"/>
+                  <a:schemeClr val="accent1">
+                    <a:lumMod val="20000"/>
+                    <a:lumOff val="80000"/>
+                  </a:schemeClr>
                 </a:solidFill>
               </a:rPr>
               <a:t>Zinginzou</a:t>
@@ -3771,7 +3793,10 @@
             <a:r>
               <a:rPr lang="de-DE" dirty="0">
                 <a:solidFill>
-                  <a:srgbClr val="FFFFFF"/>
+                  <a:schemeClr val="accent1">
+                    <a:lumMod val="20000"/>
+                    <a:lumOff val="80000"/>
+                  </a:schemeClr>
                 </a:solidFill>
               </a:rPr>
               <a:t> N'GUISSAN</a:t>
@@ -3784,12 +3809,14 @@
             <a:r>
               <a:rPr lang="de-DE" dirty="0">
                 <a:solidFill>
-                  <a:srgbClr val="FFFFFF"/>
+                  <a:schemeClr val="accent1">
+                    <a:lumMod val="20000"/>
+                    <a:lumOff val="80000"/>
+                  </a:schemeClr>
                 </a:solidFill>
               </a:rPr>
               <a:t>Abdoulaye SAMBE</a:t>
             </a:r>
-            <a:endParaRPr lang="de-DE" dirty="0"/>
           </a:p>
           <a:p>
             <a:pPr marL="342900" indent="-342900">
@@ -3798,7 +3825,10 @@
             <a:r>
               <a:rPr lang="de-DE" dirty="0" err="1">
                 <a:solidFill>
-                  <a:srgbClr val="FFFFFF"/>
+                  <a:schemeClr val="accent1">
+                    <a:lumMod val="20000"/>
+                    <a:lumOff val="80000"/>
+                  </a:schemeClr>
                 </a:solidFill>
               </a:rPr>
               <a:t>Fatimatou</a:t>
@@ -3806,7 +3836,10 @@
             <a:r>
               <a:rPr lang="de-DE" dirty="0">
                 <a:solidFill>
-                  <a:srgbClr val="FFFFFF"/>
+                  <a:schemeClr val="accent1">
+                    <a:lumMod val="20000"/>
+                    <a:lumOff val="80000"/>
+                  </a:schemeClr>
                 </a:solidFill>
               </a:rPr>
               <a:t> </a:t>
@@ -3814,7 +3847,10 @@
             <a:r>
               <a:rPr lang="de-DE" dirty="0" err="1">
                 <a:solidFill>
-                  <a:srgbClr val="FFFFFF"/>
+                  <a:schemeClr val="accent1">
+                    <a:lumMod val="20000"/>
+                    <a:lumOff val="80000"/>
+                  </a:schemeClr>
                 </a:solidFill>
               </a:rPr>
               <a:t>Ogo</a:t>
@@ -3822,7 +3858,10 @@
             <a:r>
               <a:rPr lang="de-DE" dirty="0">
                 <a:solidFill>
-                  <a:srgbClr val="FFFFFF"/>
+                  <a:schemeClr val="accent1">
+                    <a:lumMod val="20000"/>
+                    <a:lumOff val="80000"/>
+                  </a:schemeClr>
                 </a:solidFill>
               </a:rPr>
               <a:t> SECK</a:t>
@@ -3899,6 +3938,1772 @@
   <p:clrMapOvr>
     <a:masterClrMapping/>
   </p:clrMapOvr>
+  <mc:AlternateContent xmlns:mc="http://schemas.openxmlformats.org/markup-compatibility/2006">
+    <mc:Choice xmlns:p14="http://schemas.microsoft.com/office/powerpoint/2010/main" Requires="p14">
+      <p:transition spd="slow" p14:dur="1500">
+        <p:split orient="vert"/>
+      </p:transition>
+    </mc:Choice>
+    <mc:Fallback>
+      <p:transition spd="slow">
+        <p:split orient="vert"/>
+      </p:transition>
+    </mc:Fallback>
+  </mc:AlternateContent>
+  <p:timing>
+    <p:tnLst>
+      <p:par>
+        <p:cTn id="1" dur="indefinite" restart="never" nodeType="tmRoot">
+          <p:childTnLst>
+            <p:seq concurrent="1" nextAc="seek">
+              <p:cTn id="2" dur="indefinite" nodeType="mainSeq">
+                <p:childTnLst>
+                  <p:par>
+                    <p:cTn id="3" fill="hold">
+                      <p:stCondLst>
+                        <p:cond delay="indefinite"/>
+                      </p:stCondLst>
+                      <p:childTnLst>
+                        <p:par>
+                          <p:cTn id="4" fill="hold">
+                            <p:stCondLst>
+                              <p:cond delay="0"/>
+                            </p:stCondLst>
+                            <p:childTnLst>
+                              <p:par>
+                                <p:cTn id="5" presetID="26" presetClass="entr" presetSubtype="0" fill="hold" grpId="0" nodeType="clickEffect">
+                                  <p:stCondLst>
+                                    <p:cond delay="0"/>
+                                  </p:stCondLst>
+                                  <p:childTnLst>
+                                    <p:set>
+                                      <p:cBhvr>
+                                        <p:cTn id="6" dur="1" fill="hold">
+                                          <p:stCondLst>
+                                            <p:cond delay="0"/>
+                                          </p:stCondLst>
+                                        </p:cTn>
+                                        <p:tgtEl>
+                                          <p:spTgt spid="2"/>
+                                        </p:tgtEl>
+                                        <p:attrNameLst>
+                                          <p:attrName>style.visibility</p:attrName>
+                                        </p:attrNameLst>
+                                      </p:cBhvr>
+                                      <p:to>
+                                        <p:strVal val="visible"/>
+                                      </p:to>
+                                    </p:set>
+                                    <p:animEffect transition="in" filter="wipe(down)">
+                                      <p:cBhvr>
+                                        <p:cTn id="7" dur="580">
+                                          <p:stCondLst>
+                                            <p:cond delay="0"/>
+                                          </p:stCondLst>
+                                        </p:cTn>
+                                        <p:tgtEl>
+                                          <p:spTgt spid="2"/>
+                                        </p:tgtEl>
+                                      </p:cBhvr>
+                                    </p:animEffect>
+                                    <p:anim calcmode="lin" valueType="num">
+                                      <p:cBhvr>
+                                        <p:cTn id="8" dur="1822" tmFilter="0,0; 0.14,0.36; 0.43,0.73; 0.71,0.91; 1.0,1.0">
+                                          <p:stCondLst>
+                                            <p:cond delay="0"/>
+                                          </p:stCondLst>
+                                        </p:cTn>
+                                        <p:tgtEl>
+                                          <p:spTgt spid="2"/>
+                                        </p:tgtEl>
+                                        <p:attrNameLst>
+                                          <p:attrName>ppt_x</p:attrName>
+                                        </p:attrNameLst>
+                                      </p:cBhvr>
+                                      <p:tavLst>
+                                        <p:tav tm="0">
+                                          <p:val>
+                                            <p:strVal val="#ppt_x-0.25"/>
+                                          </p:val>
+                                        </p:tav>
+                                        <p:tav tm="100000">
+                                          <p:val>
+                                            <p:strVal val="#ppt_x"/>
+                                          </p:val>
+                                        </p:tav>
+                                      </p:tavLst>
+                                    </p:anim>
+                                    <p:anim calcmode="lin" valueType="num">
+                                      <p:cBhvr>
+                                        <p:cTn id="9" dur="664" tmFilter="0.0,0.0; 0.25,0.07; 0.50,0.2; 0.75,0.467; 1.0,1.0">
+                                          <p:stCondLst>
+                                            <p:cond delay="0"/>
+                                          </p:stCondLst>
+                                        </p:cTn>
+                                        <p:tgtEl>
+                                          <p:spTgt spid="2"/>
+                                        </p:tgtEl>
+                                        <p:attrNameLst>
+                                          <p:attrName>ppt_y</p:attrName>
+                                        </p:attrNameLst>
+                                      </p:cBhvr>
+                                      <p:tavLst>
+                                        <p:tav tm="0" fmla="#ppt_y-sin(pi*$)/3">
+                                          <p:val>
+                                            <p:fltVal val="0.5"/>
+                                          </p:val>
+                                        </p:tav>
+                                        <p:tav tm="100000">
+                                          <p:val>
+                                            <p:fltVal val="1"/>
+                                          </p:val>
+                                        </p:tav>
+                                      </p:tavLst>
+                                    </p:anim>
+                                    <p:anim calcmode="lin" valueType="num">
+                                      <p:cBhvr>
+                                        <p:cTn id="10" dur="664" tmFilter="0, 0; 0.125,0.2665; 0.25,0.4; 0.375,0.465; 0.5,0.5;  0.625,0.535; 0.75,0.6; 0.875,0.7335; 1,1">
+                                          <p:stCondLst>
+                                            <p:cond delay="664"/>
+                                          </p:stCondLst>
+                                        </p:cTn>
+                                        <p:tgtEl>
+                                          <p:spTgt spid="2"/>
+                                        </p:tgtEl>
+                                        <p:attrNameLst>
+                                          <p:attrName>ppt_y</p:attrName>
+                                        </p:attrNameLst>
+                                      </p:cBhvr>
+                                      <p:tavLst>
+                                        <p:tav tm="0" fmla="#ppt_y-sin(pi*$)/9">
+                                          <p:val>
+                                            <p:fltVal val="0"/>
+                                          </p:val>
+                                        </p:tav>
+                                        <p:tav tm="100000">
+                                          <p:val>
+                                            <p:fltVal val="1"/>
+                                          </p:val>
+                                        </p:tav>
+                                      </p:tavLst>
+                                    </p:anim>
+                                    <p:anim calcmode="lin" valueType="num">
+                                      <p:cBhvr>
+                                        <p:cTn id="11" dur="332" tmFilter="0, 0; 0.125,0.2665; 0.25,0.4; 0.375,0.465; 0.5,0.5;  0.625,0.535; 0.75,0.6; 0.875,0.7335; 1,1">
+                                          <p:stCondLst>
+                                            <p:cond delay="1324"/>
+                                          </p:stCondLst>
+                                        </p:cTn>
+                                        <p:tgtEl>
+                                          <p:spTgt spid="2"/>
+                                        </p:tgtEl>
+                                        <p:attrNameLst>
+                                          <p:attrName>ppt_y</p:attrName>
+                                        </p:attrNameLst>
+                                      </p:cBhvr>
+                                      <p:tavLst>
+                                        <p:tav tm="0" fmla="#ppt_y-sin(pi*$)/27">
+                                          <p:val>
+                                            <p:fltVal val="0"/>
+                                          </p:val>
+                                        </p:tav>
+                                        <p:tav tm="100000">
+                                          <p:val>
+                                            <p:fltVal val="1"/>
+                                          </p:val>
+                                        </p:tav>
+                                      </p:tavLst>
+                                    </p:anim>
+                                    <p:anim calcmode="lin" valueType="num">
+                                      <p:cBhvr>
+                                        <p:cTn id="12" dur="164" tmFilter="0, 0; 0.125,0.2665; 0.25,0.4; 0.375,0.465; 0.5,0.5;  0.625,0.535; 0.75,0.6; 0.875,0.7335; 1,1">
+                                          <p:stCondLst>
+                                            <p:cond delay="1656"/>
+                                          </p:stCondLst>
+                                        </p:cTn>
+                                        <p:tgtEl>
+                                          <p:spTgt spid="2"/>
+                                        </p:tgtEl>
+                                        <p:attrNameLst>
+                                          <p:attrName>ppt_y</p:attrName>
+                                        </p:attrNameLst>
+                                      </p:cBhvr>
+                                      <p:tavLst>
+                                        <p:tav tm="0" fmla="#ppt_y-sin(pi*$)/81">
+                                          <p:val>
+                                            <p:fltVal val="0"/>
+                                          </p:val>
+                                        </p:tav>
+                                        <p:tav tm="100000">
+                                          <p:val>
+                                            <p:fltVal val="1"/>
+                                          </p:val>
+                                        </p:tav>
+                                      </p:tavLst>
+                                    </p:anim>
+                                    <p:animScale>
+                                      <p:cBhvr>
+                                        <p:cTn id="13" dur="26">
+                                          <p:stCondLst>
+                                            <p:cond delay="650"/>
+                                          </p:stCondLst>
+                                        </p:cTn>
+                                        <p:tgtEl>
+                                          <p:spTgt spid="2"/>
+                                        </p:tgtEl>
+                                      </p:cBhvr>
+                                      <p:to x="100000" y="60000"/>
+                                    </p:animScale>
+                                    <p:animScale>
+                                      <p:cBhvr>
+                                        <p:cTn id="14" dur="166" decel="50000">
+                                          <p:stCondLst>
+                                            <p:cond delay="676"/>
+                                          </p:stCondLst>
+                                        </p:cTn>
+                                        <p:tgtEl>
+                                          <p:spTgt spid="2"/>
+                                        </p:tgtEl>
+                                      </p:cBhvr>
+                                      <p:to x="100000" y="100000"/>
+                                    </p:animScale>
+                                    <p:animScale>
+                                      <p:cBhvr>
+                                        <p:cTn id="15" dur="26">
+                                          <p:stCondLst>
+                                            <p:cond delay="1312"/>
+                                          </p:stCondLst>
+                                        </p:cTn>
+                                        <p:tgtEl>
+                                          <p:spTgt spid="2"/>
+                                        </p:tgtEl>
+                                      </p:cBhvr>
+                                      <p:to x="100000" y="80000"/>
+                                    </p:animScale>
+                                    <p:animScale>
+                                      <p:cBhvr>
+                                        <p:cTn id="16" dur="166" decel="50000">
+                                          <p:stCondLst>
+                                            <p:cond delay="1338"/>
+                                          </p:stCondLst>
+                                        </p:cTn>
+                                        <p:tgtEl>
+                                          <p:spTgt spid="2"/>
+                                        </p:tgtEl>
+                                      </p:cBhvr>
+                                      <p:to x="100000" y="100000"/>
+                                    </p:animScale>
+                                    <p:animScale>
+                                      <p:cBhvr>
+                                        <p:cTn id="17" dur="26">
+                                          <p:stCondLst>
+                                            <p:cond delay="1642"/>
+                                          </p:stCondLst>
+                                        </p:cTn>
+                                        <p:tgtEl>
+                                          <p:spTgt spid="2"/>
+                                        </p:tgtEl>
+                                      </p:cBhvr>
+                                      <p:to x="100000" y="90000"/>
+                                    </p:animScale>
+                                    <p:animScale>
+                                      <p:cBhvr>
+                                        <p:cTn id="18" dur="166" decel="50000">
+                                          <p:stCondLst>
+                                            <p:cond delay="1668"/>
+                                          </p:stCondLst>
+                                        </p:cTn>
+                                        <p:tgtEl>
+                                          <p:spTgt spid="2"/>
+                                        </p:tgtEl>
+                                      </p:cBhvr>
+                                      <p:to x="100000" y="100000"/>
+                                    </p:animScale>
+                                    <p:animScale>
+                                      <p:cBhvr>
+                                        <p:cTn id="19" dur="26">
+                                          <p:stCondLst>
+                                            <p:cond delay="1808"/>
+                                          </p:stCondLst>
+                                        </p:cTn>
+                                        <p:tgtEl>
+                                          <p:spTgt spid="2"/>
+                                        </p:tgtEl>
+                                      </p:cBhvr>
+                                      <p:to x="100000" y="95000"/>
+                                    </p:animScale>
+                                    <p:animScale>
+                                      <p:cBhvr>
+                                        <p:cTn id="20" dur="166" decel="50000">
+                                          <p:stCondLst>
+                                            <p:cond delay="1834"/>
+                                          </p:stCondLst>
+                                        </p:cTn>
+                                        <p:tgtEl>
+                                          <p:spTgt spid="2"/>
+                                        </p:tgtEl>
+                                      </p:cBhvr>
+                                      <p:to x="100000" y="100000"/>
+                                    </p:animScale>
+                                  </p:childTnLst>
+                                </p:cTn>
+                              </p:par>
+                            </p:childTnLst>
+                          </p:cTn>
+                        </p:par>
+                      </p:childTnLst>
+                    </p:cTn>
+                  </p:par>
+                  <p:par>
+                    <p:cTn id="21" fill="hold">
+                      <p:stCondLst>
+                        <p:cond delay="indefinite"/>
+                      </p:stCondLst>
+                      <p:childTnLst>
+                        <p:par>
+                          <p:cTn id="22" fill="hold">
+                            <p:stCondLst>
+                              <p:cond delay="0"/>
+                            </p:stCondLst>
+                            <p:childTnLst>
+                              <p:par>
+                                <p:cTn id="23" presetID="26" presetClass="entr" presetSubtype="0" fill="hold" grpId="0" nodeType="clickEffect">
+                                  <p:stCondLst>
+                                    <p:cond delay="0"/>
+                                  </p:stCondLst>
+                                  <p:childTnLst>
+                                    <p:set>
+                                      <p:cBhvr>
+                                        <p:cTn id="24" dur="1" fill="hold">
+                                          <p:stCondLst>
+                                            <p:cond delay="0"/>
+                                          </p:stCondLst>
+                                        </p:cTn>
+                                        <p:tgtEl>
+                                          <p:spTgt spid="3">
+                                            <p:txEl>
+                                              <p:pRg st="0" end="0"/>
+                                            </p:txEl>
+                                          </p:spTgt>
+                                        </p:tgtEl>
+                                        <p:attrNameLst>
+                                          <p:attrName>style.visibility</p:attrName>
+                                        </p:attrNameLst>
+                                      </p:cBhvr>
+                                      <p:to>
+                                        <p:strVal val="visible"/>
+                                      </p:to>
+                                    </p:set>
+                                    <p:animEffect transition="in" filter="wipe(down)">
+                                      <p:cBhvr>
+                                        <p:cTn id="25" dur="580">
+                                          <p:stCondLst>
+                                            <p:cond delay="0"/>
+                                          </p:stCondLst>
+                                        </p:cTn>
+                                        <p:tgtEl>
+                                          <p:spTgt spid="3">
+                                            <p:txEl>
+                                              <p:pRg st="0" end="0"/>
+                                            </p:txEl>
+                                          </p:spTgt>
+                                        </p:tgtEl>
+                                      </p:cBhvr>
+                                    </p:animEffect>
+                                    <p:anim calcmode="lin" valueType="num">
+                                      <p:cBhvr>
+                                        <p:cTn id="26" dur="1822" tmFilter="0,0; 0.14,0.36; 0.43,0.73; 0.71,0.91; 1.0,1.0">
+                                          <p:stCondLst>
+                                            <p:cond delay="0"/>
+                                          </p:stCondLst>
+                                        </p:cTn>
+                                        <p:tgtEl>
+                                          <p:spTgt spid="3">
+                                            <p:txEl>
+                                              <p:pRg st="0" end="0"/>
+                                            </p:txEl>
+                                          </p:spTgt>
+                                        </p:tgtEl>
+                                        <p:attrNameLst>
+                                          <p:attrName>ppt_x</p:attrName>
+                                        </p:attrNameLst>
+                                      </p:cBhvr>
+                                      <p:tavLst>
+                                        <p:tav tm="0">
+                                          <p:val>
+                                            <p:strVal val="#ppt_x-0.25"/>
+                                          </p:val>
+                                        </p:tav>
+                                        <p:tav tm="100000">
+                                          <p:val>
+                                            <p:strVal val="#ppt_x"/>
+                                          </p:val>
+                                        </p:tav>
+                                      </p:tavLst>
+                                    </p:anim>
+                                    <p:anim calcmode="lin" valueType="num">
+                                      <p:cBhvr>
+                                        <p:cTn id="27" dur="664" tmFilter="0.0,0.0; 0.25,0.07; 0.50,0.2; 0.75,0.467; 1.0,1.0">
+                                          <p:stCondLst>
+                                            <p:cond delay="0"/>
+                                          </p:stCondLst>
+                                        </p:cTn>
+                                        <p:tgtEl>
+                                          <p:spTgt spid="3">
+                                            <p:txEl>
+                                              <p:pRg st="0" end="0"/>
+                                            </p:txEl>
+                                          </p:spTgt>
+                                        </p:tgtEl>
+                                        <p:attrNameLst>
+                                          <p:attrName>ppt_y</p:attrName>
+                                        </p:attrNameLst>
+                                      </p:cBhvr>
+                                      <p:tavLst>
+                                        <p:tav tm="0" fmla="#ppt_y-sin(pi*$)/3">
+                                          <p:val>
+                                            <p:fltVal val="0.5"/>
+                                          </p:val>
+                                        </p:tav>
+                                        <p:tav tm="100000">
+                                          <p:val>
+                                            <p:fltVal val="1"/>
+                                          </p:val>
+                                        </p:tav>
+                                      </p:tavLst>
+                                    </p:anim>
+                                    <p:anim calcmode="lin" valueType="num">
+                                      <p:cBhvr>
+                                        <p:cTn id="28" dur="664" tmFilter="0, 0; 0.125,0.2665; 0.25,0.4; 0.375,0.465; 0.5,0.5;  0.625,0.535; 0.75,0.6; 0.875,0.7335; 1,1">
+                                          <p:stCondLst>
+                                            <p:cond delay="664"/>
+                                          </p:stCondLst>
+                                        </p:cTn>
+                                        <p:tgtEl>
+                                          <p:spTgt spid="3">
+                                            <p:txEl>
+                                              <p:pRg st="0" end="0"/>
+                                            </p:txEl>
+                                          </p:spTgt>
+                                        </p:tgtEl>
+                                        <p:attrNameLst>
+                                          <p:attrName>ppt_y</p:attrName>
+                                        </p:attrNameLst>
+                                      </p:cBhvr>
+                                      <p:tavLst>
+                                        <p:tav tm="0" fmla="#ppt_y-sin(pi*$)/9">
+                                          <p:val>
+                                            <p:fltVal val="0"/>
+                                          </p:val>
+                                        </p:tav>
+                                        <p:tav tm="100000">
+                                          <p:val>
+                                            <p:fltVal val="1"/>
+                                          </p:val>
+                                        </p:tav>
+                                      </p:tavLst>
+                                    </p:anim>
+                                    <p:anim calcmode="lin" valueType="num">
+                                      <p:cBhvr>
+                                        <p:cTn id="29" dur="332" tmFilter="0, 0; 0.125,0.2665; 0.25,0.4; 0.375,0.465; 0.5,0.5;  0.625,0.535; 0.75,0.6; 0.875,0.7335; 1,1">
+                                          <p:stCondLst>
+                                            <p:cond delay="1324"/>
+                                          </p:stCondLst>
+                                        </p:cTn>
+                                        <p:tgtEl>
+                                          <p:spTgt spid="3">
+                                            <p:txEl>
+                                              <p:pRg st="0" end="0"/>
+                                            </p:txEl>
+                                          </p:spTgt>
+                                        </p:tgtEl>
+                                        <p:attrNameLst>
+                                          <p:attrName>ppt_y</p:attrName>
+                                        </p:attrNameLst>
+                                      </p:cBhvr>
+                                      <p:tavLst>
+                                        <p:tav tm="0" fmla="#ppt_y-sin(pi*$)/27">
+                                          <p:val>
+                                            <p:fltVal val="0"/>
+                                          </p:val>
+                                        </p:tav>
+                                        <p:tav tm="100000">
+                                          <p:val>
+                                            <p:fltVal val="1"/>
+                                          </p:val>
+                                        </p:tav>
+                                      </p:tavLst>
+                                    </p:anim>
+                                    <p:anim calcmode="lin" valueType="num">
+                                      <p:cBhvr>
+                                        <p:cTn id="30" dur="164" tmFilter="0, 0; 0.125,0.2665; 0.25,0.4; 0.375,0.465; 0.5,0.5;  0.625,0.535; 0.75,0.6; 0.875,0.7335; 1,1">
+                                          <p:stCondLst>
+                                            <p:cond delay="1656"/>
+                                          </p:stCondLst>
+                                        </p:cTn>
+                                        <p:tgtEl>
+                                          <p:spTgt spid="3">
+                                            <p:txEl>
+                                              <p:pRg st="0" end="0"/>
+                                            </p:txEl>
+                                          </p:spTgt>
+                                        </p:tgtEl>
+                                        <p:attrNameLst>
+                                          <p:attrName>ppt_y</p:attrName>
+                                        </p:attrNameLst>
+                                      </p:cBhvr>
+                                      <p:tavLst>
+                                        <p:tav tm="0" fmla="#ppt_y-sin(pi*$)/81">
+                                          <p:val>
+                                            <p:fltVal val="0"/>
+                                          </p:val>
+                                        </p:tav>
+                                        <p:tav tm="100000">
+                                          <p:val>
+                                            <p:fltVal val="1"/>
+                                          </p:val>
+                                        </p:tav>
+                                      </p:tavLst>
+                                    </p:anim>
+                                    <p:animScale>
+                                      <p:cBhvr>
+                                        <p:cTn id="31" dur="26">
+                                          <p:stCondLst>
+                                            <p:cond delay="650"/>
+                                          </p:stCondLst>
+                                        </p:cTn>
+                                        <p:tgtEl>
+                                          <p:spTgt spid="3">
+                                            <p:txEl>
+                                              <p:pRg st="0" end="0"/>
+                                            </p:txEl>
+                                          </p:spTgt>
+                                        </p:tgtEl>
+                                      </p:cBhvr>
+                                      <p:to x="100000" y="60000"/>
+                                    </p:animScale>
+                                    <p:animScale>
+                                      <p:cBhvr>
+                                        <p:cTn id="32" dur="166" decel="50000">
+                                          <p:stCondLst>
+                                            <p:cond delay="676"/>
+                                          </p:stCondLst>
+                                        </p:cTn>
+                                        <p:tgtEl>
+                                          <p:spTgt spid="3">
+                                            <p:txEl>
+                                              <p:pRg st="0" end="0"/>
+                                            </p:txEl>
+                                          </p:spTgt>
+                                        </p:tgtEl>
+                                      </p:cBhvr>
+                                      <p:to x="100000" y="100000"/>
+                                    </p:animScale>
+                                    <p:animScale>
+                                      <p:cBhvr>
+                                        <p:cTn id="33" dur="26">
+                                          <p:stCondLst>
+                                            <p:cond delay="1312"/>
+                                          </p:stCondLst>
+                                        </p:cTn>
+                                        <p:tgtEl>
+                                          <p:spTgt spid="3">
+                                            <p:txEl>
+                                              <p:pRg st="0" end="0"/>
+                                            </p:txEl>
+                                          </p:spTgt>
+                                        </p:tgtEl>
+                                      </p:cBhvr>
+                                      <p:to x="100000" y="80000"/>
+                                    </p:animScale>
+                                    <p:animScale>
+                                      <p:cBhvr>
+                                        <p:cTn id="34" dur="166" decel="50000">
+                                          <p:stCondLst>
+                                            <p:cond delay="1338"/>
+                                          </p:stCondLst>
+                                        </p:cTn>
+                                        <p:tgtEl>
+                                          <p:spTgt spid="3">
+                                            <p:txEl>
+                                              <p:pRg st="0" end="0"/>
+                                            </p:txEl>
+                                          </p:spTgt>
+                                        </p:tgtEl>
+                                      </p:cBhvr>
+                                      <p:to x="100000" y="100000"/>
+                                    </p:animScale>
+                                    <p:animScale>
+                                      <p:cBhvr>
+                                        <p:cTn id="35" dur="26">
+                                          <p:stCondLst>
+                                            <p:cond delay="1642"/>
+                                          </p:stCondLst>
+                                        </p:cTn>
+                                        <p:tgtEl>
+                                          <p:spTgt spid="3">
+                                            <p:txEl>
+                                              <p:pRg st="0" end="0"/>
+                                            </p:txEl>
+                                          </p:spTgt>
+                                        </p:tgtEl>
+                                      </p:cBhvr>
+                                      <p:to x="100000" y="90000"/>
+                                    </p:animScale>
+                                    <p:animScale>
+                                      <p:cBhvr>
+                                        <p:cTn id="36" dur="166" decel="50000">
+                                          <p:stCondLst>
+                                            <p:cond delay="1668"/>
+                                          </p:stCondLst>
+                                        </p:cTn>
+                                        <p:tgtEl>
+                                          <p:spTgt spid="3">
+                                            <p:txEl>
+                                              <p:pRg st="0" end="0"/>
+                                            </p:txEl>
+                                          </p:spTgt>
+                                        </p:tgtEl>
+                                      </p:cBhvr>
+                                      <p:to x="100000" y="100000"/>
+                                    </p:animScale>
+                                    <p:animScale>
+                                      <p:cBhvr>
+                                        <p:cTn id="37" dur="26">
+                                          <p:stCondLst>
+                                            <p:cond delay="1808"/>
+                                          </p:stCondLst>
+                                        </p:cTn>
+                                        <p:tgtEl>
+                                          <p:spTgt spid="3">
+                                            <p:txEl>
+                                              <p:pRg st="0" end="0"/>
+                                            </p:txEl>
+                                          </p:spTgt>
+                                        </p:tgtEl>
+                                      </p:cBhvr>
+                                      <p:to x="100000" y="95000"/>
+                                    </p:animScale>
+                                    <p:animScale>
+                                      <p:cBhvr>
+                                        <p:cTn id="38" dur="166" decel="50000">
+                                          <p:stCondLst>
+                                            <p:cond delay="1834"/>
+                                          </p:stCondLst>
+                                        </p:cTn>
+                                        <p:tgtEl>
+                                          <p:spTgt spid="3">
+                                            <p:txEl>
+                                              <p:pRg st="0" end="0"/>
+                                            </p:txEl>
+                                          </p:spTgt>
+                                        </p:tgtEl>
+                                      </p:cBhvr>
+                                      <p:to x="100000" y="100000"/>
+                                    </p:animScale>
+                                  </p:childTnLst>
+                                </p:cTn>
+                              </p:par>
+                            </p:childTnLst>
+                          </p:cTn>
+                        </p:par>
+                      </p:childTnLst>
+                    </p:cTn>
+                  </p:par>
+                  <p:par>
+                    <p:cTn id="39" fill="hold">
+                      <p:stCondLst>
+                        <p:cond delay="indefinite"/>
+                      </p:stCondLst>
+                      <p:childTnLst>
+                        <p:par>
+                          <p:cTn id="40" fill="hold">
+                            <p:stCondLst>
+                              <p:cond delay="0"/>
+                            </p:stCondLst>
+                            <p:childTnLst>
+                              <p:par>
+                                <p:cTn id="41" presetID="26" presetClass="entr" presetSubtype="0" fill="hold" grpId="0" nodeType="clickEffect">
+                                  <p:stCondLst>
+                                    <p:cond delay="0"/>
+                                  </p:stCondLst>
+                                  <p:childTnLst>
+                                    <p:set>
+                                      <p:cBhvr>
+                                        <p:cTn id="42" dur="1" fill="hold">
+                                          <p:stCondLst>
+                                            <p:cond delay="0"/>
+                                          </p:stCondLst>
+                                        </p:cTn>
+                                        <p:tgtEl>
+                                          <p:spTgt spid="3">
+                                            <p:txEl>
+                                              <p:pRg st="1" end="1"/>
+                                            </p:txEl>
+                                          </p:spTgt>
+                                        </p:tgtEl>
+                                        <p:attrNameLst>
+                                          <p:attrName>style.visibility</p:attrName>
+                                        </p:attrNameLst>
+                                      </p:cBhvr>
+                                      <p:to>
+                                        <p:strVal val="visible"/>
+                                      </p:to>
+                                    </p:set>
+                                    <p:animEffect transition="in" filter="wipe(down)">
+                                      <p:cBhvr>
+                                        <p:cTn id="43" dur="580">
+                                          <p:stCondLst>
+                                            <p:cond delay="0"/>
+                                          </p:stCondLst>
+                                        </p:cTn>
+                                        <p:tgtEl>
+                                          <p:spTgt spid="3">
+                                            <p:txEl>
+                                              <p:pRg st="1" end="1"/>
+                                            </p:txEl>
+                                          </p:spTgt>
+                                        </p:tgtEl>
+                                      </p:cBhvr>
+                                    </p:animEffect>
+                                    <p:anim calcmode="lin" valueType="num">
+                                      <p:cBhvr>
+                                        <p:cTn id="44" dur="1822" tmFilter="0,0; 0.14,0.36; 0.43,0.73; 0.71,0.91; 1.0,1.0">
+                                          <p:stCondLst>
+                                            <p:cond delay="0"/>
+                                          </p:stCondLst>
+                                        </p:cTn>
+                                        <p:tgtEl>
+                                          <p:spTgt spid="3">
+                                            <p:txEl>
+                                              <p:pRg st="1" end="1"/>
+                                            </p:txEl>
+                                          </p:spTgt>
+                                        </p:tgtEl>
+                                        <p:attrNameLst>
+                                          <p:attrName>ppt_x</p:attrName>
+                                        </p:attrNameLst>
+                                      </p:cBhvr>
+                                      <p:tavLst>
+                                        <p:tav tm="0">
+                                          <p:val>
+                                            <p:strVal val="#ppt_x-0.25"/>
+                                          </p:val>
+                                        </p:tav>
+                                        <p:tav tm="100000">
+                                          <p:val>
+                                            <p:strVal val="#ppt_x"/>
+                                          </p:val>
+                                        </p:tav>
+                                      </p:tavLst>
+                                    </p:anim>
+                                    <p:anim calcmode="lin" valueType="num">
+                                      <p:cBhvr>
+                                        <p:cTn id="45" dur="664" tmFilter="0.0,0.0; 0.25,0.07; 0.50,0.2; 0.75,0.467; 1.0,1.0">
+                                          <p:stCondLst>
+                                            <p:cond delay="0"/>
+                                          </p:stCondLst>
+                                        </p:cTn>
+                                        <p:tgtEl>
+                                          <p:spTgt spid="3">
+                                            <p:txEl>
+                                              <p:pRg st="1" end="1"/>
+                                            </p:txEl>
+                                          </p:spTgt>
+                                        </p:tgtEl>
+                                        <p:attrNameLst>
+                                          <p:attrName>ppt_y</p:attrName>
+                                        </p:attrNameLst>
+                                      </p:cBhvr>
+                                      <p:tavLst>
+                                        <p:tav tm="0" fmla="#ppt_y-sin(pi*$)/3">
+                                          <p:val>
+                                            <p:fltVal val="0.5"/>
+                                          </p:val>
+                                        </p:tav>
+                                        <p:tav tm="100000">
+                                          <p:val>
+                                            <p:fltVal val="1"/>
+                                          </p:val>
+                                        </p:tav>
+                                      </p:tavLst>
+                                    </p:anim>
+                                    <p:anim calcmode="lin" valueType="num">
+                                      <p:cBhvr>
+                                        <p:cTn id="46" dur="664" tmFilter="0, 0; 0.125,0.2665; 0.25,0.4; 0.375,0.465; 0.5,0.5;  0.625,0.535; 0.75,0.6; 0.875,0.7335; 1,1">
+                                          <p:stCondLst>
+                                            <p:cond delay="664"/>
+                                          </p:stCondLst>
+                                        </p:cTn>
+                                        <p:tgtEl>
+                                          <p:spTgt spid="3">
+                                            <p:txEl>
+                                              <p:pRg st="1" end="1"/>
+                                            </p:txEl>
+                                          </p:spTgt>
+                                        </p:tgtEl>
+                                        <p:attrNameLst>
+                                          <p:attrName>ppt_y</p:attrName>
+                                        </p:attrNameLst>
+                                      </p:cBhvr>
+                                      <p:tavLst>
+                                        <p:tav tm="0" fmla="#ppt_y-sin(pi*$)/9">
+                                          <p:val>
+                                            <p:fltVal val="0"/>
+                                          </p:val>
+                                        </p:tav>
+                                        <p:tav tm="100000">
+                                          <p:val>
+                                            <p:fltVal val="1"/>
+                                          </p:val>
+                                        </p:tav>
+                                      </p:tavLst>
+                                    </p:anim>
+                                    <p:anim calcmode="lin" valueType="num">
+                                      <p:cBhvr>
+                                        <p:cTn id="47" dur="332" tmFilter="0, 0; 0.125,0.2665; 0.25,0.4; 0.375,0.465; 0.5,0.5;  0.625,0.535; 0.75,0.6; 0.875,0.7335; 1,1">
+                                          <p:stCondLst>
+                                            <p:cond delay="1324"/>
+                                          </p:stCondLst>
+                                        </p:cTn>
+                                        <p:tgtEl>
+                                          <p:spTgt spid="3">
+                                            <p:txEl>
+                                              <p:pRg st="1" end="1"/>
+                                            </p:txEl>
+                                          </p:spTgt>
+                                        </p:tgtEl>
+                                        <p:attrNameLst>
+                                          <p:attrName>ppt_y</p:attrName>
+                                        </p:attrNameLst>
+                                      </p:cBhvr>
+                                      <p:tavLst>
+                                        <p:tav tm="0" fmla="#ppt_y-sin(pi*$)/27">
+                                          <p:val>
+                                            <p:fltVal val="0"/>
+                                          </p:val>
+                                        </p:tav>
+                                        <p:tav tm="100000">
+                                          <p:val>
+                                            <p:fltVal val="1"/>
+                                          </p:val>
+                                        </p:tav>
+                                      </p:tavLst>
+                                    </p:anim>
+                                    <p:anim calcmode="lin" valueType="num">
+                                      <p:cBhvr>
+                                        <p:cTn id="48" dur="164" tmFilter="0, 0; 0.125,0.2665; 0.25,0.4; 0.375,0.465; 0.5,0.5;  0.625,0.535; 0.75,0.6; 0.875,0.7335; 1,1">
+                                          <p:stCondLst>
+                                            <p:cond delay="1656"/>
+                                          </p:stCondLst>
+                                        </p:cTn>
+                                        <p:tgtEl>
+                                          <p:spTgt spid="3">
+                                            <p:txEl>
+                                              <p:pRg st="1" end="1"/>
+                                            </p:txEl>
+                                          </p:spTgt>
+                                        </p:tgtEl>
+                                        <p:attrNameLst>
+                                          <p:attrName>ppt_y</p:attrName>
+                                        </p:attrNameLst>
+                                      </p:cBhvr>
+                                      <p:tavLst>
+                                        <p:tav tm="0" fmla="#ppt_y-sin(pi*$)/81">
+                                          <p:val>
+                                            <p:fltVal val="0"/>
+                                          </p:val>
+                                        </p:tav>
+                                        <p:tav tm="100000">
+                                          <p:val>
+                                            <p:fltVal val="1"/>
+                                          </p:val>
+                                        </p:tav>
+                                      </p:tavLst>
+                                    </p:anim>
+                                    <p:animScale>
+                                      <p:cBhvr>
+                                        <p:cTn id="49" dur="26">
+                                          <p:stCondLst>
+                                            <p:cond delay="650"/>
+                                          </p:stCondLst>
+                                        </p:cTn>
+                                        <p:tgtEl>
+                                          <p:spTgt spid="3">
+                                            <p:txEl>
+                                              <p:pRg st="1" end="1"/>
+                                            </p:txEl>
+                                          </p:spTgt>
+                                        </p:tgtEl>
+                                      </p:cBhvr>
+                                      <p:to x="100000" y="60000"/>
+                                    </p:animScale>
+                                    <p:animScale>
+                                      <p:cBhvr>
+                                        <p:cTn id="50" dur="166" decel="50000">
+                                          <p:stCondLst>
+                                            <p:cond delay="676"/>
+                                          </p:stCondLst>
+                                        </p:cTn>
+                                        <p:tgtEl>
+                                          <p:spTgt spid="3">
+                                            <p:txEl>
+                                              <p:pRg st="1" end="1"/>
+                                            </p:txEl>
+                                          </p:spTgt>
+                                        </p:tgtEl>
+                                      </p:cBhvr>
+                                      <p:to x="100000" y="100000"/>
+                                    </p:animScale>
+                                    <p:animScale>
+                                      <p:cBhvr>
+                                        <p:cTn id="51" dur="26">
+                                          <p:stCondLst>
+                                            <p:cond delay="1312"/>
+                                          </p:stCondLst>
+                                        </p:cTn>
+                                        <p:tgtEl>
+                                          <p:spTgt spid="3">
+                                            <p:txEl>
+                                              <p:pRg st="1" end="1"/>
+                                            </p:txEl>
+                                          </p:spTgt>
+                                        </p:tgtEl>
+                                      </p:cBhvr>
+                                      <p:to x="100000" y="80000"/>
+                                    </p:animScale>
+                                    <p:animScale>
+                                      <p:cBhvr>
+                                        <p:cTn id="52" dur="166" decel="50000">
+                                          <p:stCondLst>
+                                            <p:cond delay="1338"/>
+                                          </p:stCondLst>
+                                        </p:cTn>
+                                        <p:tgtEl>
+                                          <p:spTgt spid="3">
+                                            <p:txEl>
+                                              <p:pRg st="1" end="1"/>
+                                            </p:txEl>
+                                          </p:spTgt>
+                                        </p:tgtEl>
+                                      </p:cBhvr>
+                                      <p:to x="100000" y="100000"/>
+                                    </p:animScale>
+                                    <p:animScale>
+                                      <p:cBhvr>
+                                        <p:cTn id="53" dur="26">
+                                          <p:stCondLst>
+                                            <p:cond delay="1642"/>
+                                          </p:stCondLst>
+                                        </p:cTn>
+                                        <p:tgtEl>
+                                          <p:spTgt spid="3">
+                                            <p:txEl>
+                                              <p:pRg st="1" end="1"/>
+                                            </p:txEl>
+                                          </p:spTgt>
+                                        </p:tgtEl>
+                                      </p:cBhvr>
+                                      <p:to x="100000" y="90000"/>
+                                    </p:animScale>
+                                    <p:animScale>
+                                      <p:cBhvr>
+                                        <p:cTn id="54" dur="166" decel="50000">
+                                          <p:stCondLst>
+                                            <p:cond delay="1668"/>
+                                          </p:stCondLst>
+                                        </p:cTn>
+                                        <p:tgtEl>
+                                          <p:spTgt spid="3">
+                                            <p:txEl>
+                                              <p:pRg st="1" end="1"/>
+                                            </p:txEl>
+                                          </p:spTgt>
+                                        </p:tgtEl>
+                                      </p:cBhvr>
+                                      <p:to x="100000" y="100000"/>
+                                    </p:animScale>
+                                    <p:animScale>
+                                      <p:cBhvr>
+                                        <p:cTn id="55" dur="26">
+                                          <p:stCondLst>
+                                            <p:cond delay="1808"/>
+                                          </p:stCondLst>
+                                        </p:cTn>
+                                        <p:tgtEl>
+                                          <p:spTgt spid="3">
+                                            <p:txEl>
+                                              <p:pRg st="1" end="1"/>
+                                            </p:txEl>
+                                          </p:spTgt>
+                                        </p:tgtEl>
+                                      </p:cBhvr>
+                                      <p:to x="100000" y="95000"/>
+                                    </p:animScale>
+                                    <p:animScale>
+                                      <p:cBhvr>
+                                        <p:cTn id="56" dur="166" decel="50000">
+                                          <p:stCondLst>
+                                            <p:cond delay="1834"/>
+                                          </p:stCondLst>
+                                        </p:cTn>
+                                        <p:tgtEl>
+                                          <p:spTgt spid="3">
+                                            <p:txEl>
+                                              <p:pRg st="1" end="1"/>
+                                            </p:txEl>
+                                          </p:spTgt>
+                                        </p:tgtEl>
+                                      </p:cBhvr>
+                                      <p:to x="100000" y="100000"/>
+                                    </p:animScale>
+                                  </p:childTnLst>
+                                </p:cTn>
+                              </p:par>
+                            </p:childTnLst>
+                          </p:cTn>
+                        </p:par>
+                      </p:childTnLst>
+                    </p:cTn>
+                  </p:par>
+                  <p:par>
+                    <p:cTn id="57" fill="hold">
+                      <p:stCondLst>
+                        <p:cond delay="indefinite"/>
+                      </p:stCondLst>
+                      <p:childTnLst>
+                        <p:par>
+                          <p:cTn id="58" fill="hold">
+                            <p:stCondLst>
+                              <p:cond delay="0"/>
+                            </p:stCondLst>
+                            <p:childTnLst>
+                              <p:par>
+                                <p:cTn id="59" presetID="26" presetClass="entr" presetSubtype="0" fill="hold" grpId="0" nodeType="clickEffect">
+                                  <p:stCondLst>
+                                    <p:cond delay="0"/>
+                                  </p:stCondLst>
+                                  <p:childTnLst>
+                                    <p:set>
+                                      <p:cBhvr>
+                                        <p:cTn id="60" dur="1" fill="hold">
+                                          <p:stCondLst>
+                                            <p:cond delay="0"/>
+                                          </p:stCondLst>
+                                        </p:cTn>
+                                        <p:tgtEl>
+                                          <p:spTgt spid="3">
+                                            <p:txEl>
+                                              <p:pRg st="2" end="2"/>
+                                            </p:txEl>
+                                          </p:spTgt>
+                                        </p:tgtEl>
+                                        <p:attrNameLst>
+                                          <p:attrName>style.visibility</p:attrName>
+                                        </p:attrNameLst>
+                                      </p:cBhvr>
+                                      <p:to>
+                                        <p:strVal val="visible"/>
+                                      </p:to>
+                                    </p:set>
+                                    <p:animEffect transition="in" filter="wipe(down)">
+                                      <p:cBhvr>
+                                        <p:cTn id="61" dur="580">
+                                          <p:stCondLst>
+                                            <p:cond delay="0"/>
+                                          </p:stCondLst>
+                                        </p:cTn>
+                                        <p:tgtEl>
+                                          <p:spTgt spid="3">
+                                            <p:txEl>
+                                              <p:pRg st="2" end="2"/>
+                                            </p:txEl>
+                                          </p:spTgt>
+                                        </p:tgtEl>
+                                      </p:cBhvr>
+                                    </p:animEffect>
+                                    <p:anim calcmode="lin" valueType="num">
+                                      <p:cBhvr>
+                                        <p:cTn id="62" dur="1822" tmFilter="0,0; 0.14,0.36; 0.43,0.73; 0.71,0.91; 1.0,1.0">
+                                          <p:stCondLst>
+                                            <p:cond delay="0"/>
+                                          </p:stCondLst>
+                                        </p:cTn>
+                                        <p:tgtEl>
+                                          <p:spTgt spid="3">
+                                            <p:txEl>
+                                              <p:pRg st="2" end="2"/>
+                                            </p:txEl>
+                                          </p:spTgt>
+                                        </p:tgtEl>
+                                        <p:attrNameLst>
+                                          <p:attrName>ppt_x</p:attrName>
+                                        </p:attrNameLst>
+                                      </p:cBhvr>
+                                      <p:tavLst>
+                                        <p:tav tm="0">
+                                          <p:val>
+                                            <p:strVal val="#ppt_x-0.25"/>
+                                          </p:val>
+                                        </p:tav>
+                                        <p:tav tm="100000">
+                                          <p:val>
+                                            <p:strVal val="#ppt_x"/>
+                                          </p:val>
+                                        </p:tav>
+                                      </p:tavLst>
+                                    </p:anim>
+                                    <p:anim calcmode="lin" valueType="num">
+                                      <p:cBhvr>
+                                        <p:cTn id="63" dur="664" tmFilter="0.0,0.0; 0.25,0.07; 0.50,0.2; 0.75,0.467; 1.0,1.0">
+                                          <p:stCondLst>
+                                            <p:cond delay="0"/>
+                                          </p:stCondLst>
+                                        </p:cTn>
+                                        <p:tgtEl>
+                                          <p:spTgt spid="3">
+                                            <p:txEl>
+                                              <p:pRg st="2" end="2"/>
+                                            </p:txEl>
+                                          </p:spTgt>
+                                        </p:tgtEl>
+                                        <p:attrNameLst>
+                                          <p:attrName>ppt_y</p:attrName>
+                                        </p:attrNameLst>
+                                      </p:cBhvr>
+                                      <p:tavLst>
+                                        <p:tav tm="0" fmla="#ppt_y-sin(pi*$)/3">
+                                          <p:val>
+                                            <p:fltVal val="0.5"/>
+                                          </p:val>
+                                        </p:tav>
+                                        <p:tav tm="100000">
+                                          <p:val>
+                                            <p:fltVal val="1"/>
+                                          </p:val>
+                                        </p:tav>
+                                      </p:tavLst>
+                                    </p:anim>
+                                    <p:anim calcmode="lin" valueType="num">
+                                      <p:cBhvr>
+                                        <p:cTn id="64" dur="664" tmFilter="0, 0; 0.125,0.2665; 0.25,0.4; 0.375,0.465; 0.5,0.5;  0.625,0.535; 0.75,0.6; 0.875,0.7335; 1,1">
+                                          <p:stCondLst>
+                                            <p:cond delay="664"/>
+                                          </p:stCondLst>
+                                        </p:cTn>
+                                        <p:tgtEl>
+                                          <p:spTgt spid="3">
+                                            <p:txEl>
+                                              <p:pRg st="2" end="2"/>
+                                            </p:txEl>
+                                          </p:spTgt>
+                                        </p:tgtEl>
+                                        <p:attrNameLst>
+                                          <p:attrName>ppt_y</p:attrName>
+                                        </p:attrNameLst>
+                                      </p:cBhvr>
+                                      <p:tavLst>
+                                        <p:tav tm="0" fmla="#ppt_y-sin(pi*$)/9">
+                                          <p:val>
+                                            <p:fltVal val="0"/>
+                                          </p:val>
+                                        </p:tav>
+                                        <p:tav tm="100000">
+                                          <p:val>
+                                            <p:fltVal val="1"/>
+                                          </p:val>
+                                        </p:tav>
+                                      </p:tavLst>
+                                    </p:anim>
+                                    <p:anim calcmode="lin" valueType="num">
+                                      <p:cBhvr>
+                                        <p:cTn id="65" dur="332" tmFilter="0, 0; 0.125,0.2665; 0.25,0.4; 0.375,0.465; 0.5,0.5;  0.625,0.535; 0.75,0.6; 0.875,0.7335; 1,1">
+                                          <p:stCondLst>
+                                            <p:cond delay="1324"/>
+                                          </p:stCondLst>
+                                        </p:cTn>
+                                        <p:tgtEl>
+                                          <p:spTgt spid="3">
+                                            <p:txEl>
+                                              <p:pRg st="2" end="2"/>
+                                            </p:txEl>
+                                          </p:spTgt>
+                                        </p:tgtEl>
+                                        <p:attrNameLst>
+                                          <p:attrName>ppt_y</p:attrName>
+                                        </p:attrNameLst>
+                                      </p:cBhvr>
+                                      <p:tavLst>
+                                        <p:tav tm="0" fmla="#ppt_y-sin(pi*$)/27">
+                                          <p:val>
+                                            <p:fltVal val="0"/>
+                                          </p:val>
+                                        </p:tav>
+                                        <p:tav tm="100000">
+                                          <p:val>
+                                            <p:fltVal val="1"/>
+                                          </p:val>
+                                        </p:tav>
+                                      </p:tavLst>
+                                    </p:anim>
+                                    <p:anim calcmode="lin" valueType="num">
+                                      <p:cBhvr>
+                                        <p:cTn id="66" dur="164" tmFilter="0, 0; 0.125,0.2665; 0.25,0.4; 0.375,0.465; 0.5,0.5;  0.625,0.535; 0.75,0.6; 0.875,0.7335; 1,1">
+                                          <p:stCondLst>
+                                            <p:cond delay="1656"/>
+                                          </p:stCondLst>
+                                        </p:cTn>
+                                        <p:tgtEl>
+                                          <p:spTgt spid="3">
+                                            <p:txEl>
+                                              <p:pRg st="2" end="2"/>
+                                            </p:txEl>
+                                          </p:spTgt>
+                                        </p:tgtEl>
+                                        <p:attrNameLst>
+                                          <p:attrName>ppt_y</p:attrName>
+                                        </p:attrNameLst>
+                                      </p:cBhvr>
+                                      <p:tavLst>
+                                        <p:tav tm="0" fmla="#ppt_y-sin(pi*$)/81">
+                                          <p:val>
+                                            <p:fltVal val="0"/>
+                                          </p:val>
+                                        </p:tav>
+                                        <p:tav tm="100000">
+                                          <p:val>
+                                            <p:fltVal val="1"/>
+                                          </p:val>
+                                        </p:tav>
+                                      </p:tavLst>
+                                    </p:anim>
+                                    <p:animScale>
+                                      <p:cBhvr>
+                                        <p:cTn id="67" dur="26">
+                                          <p:stCondLst>
+                                            <p:cond delay="650"/>
+                                          </p:stCondLst>
+                                        </p:cTn>
+                                        <p:tgtEl>
+                                          <p:spTgt spid="3">
+                                            <p:txEl>
+                                              <p:pRg st="2" end="2"/>
+                                            </p:txEl>
+                                          </p:spTgt>
+                                        </p:tgtEl>
+                                      </p:cBhvr>
+                                      <p:to x="100000" y="60000"/>
+                                    </p:animScale>
+                                    <p:animScale>
+                                      <p:cBhvr>
+                                        <p:cTn id="68" dur="166" decel="50000">
+                                          <p:stCondLst>
+                                            <p:cond delay="676"/>
+                                          </p:stCondLst>
+                                        </p:cTn>
+                                        <p:tgtEl>
+                                          <p:spTgt spid="3">
+                                            <p:txEl>
+                                              <p:pRg st="2" end="2"/>
+                                            </p:txEl>
+                                          </p:spTgt>
+                                        </p:tgtEl>
+                                      </p:cBhvr>
+                                      <p:to x="100000" y="100000"/>
+                                    </p:animScale>
+                                    <p:animScale>
+                                      <p:cBhvr>
+                                        <p:cTn id="69" dur="26">
+                                          <p:stCondLst>
+                                            <p:cond delay="1312"/>
+                                          </p:stCondLst>
+                                        </p:cTn>
+                                        <p:tgtEl>
+                                          <p:spTgt spid="3">
+                                            <p:txEl>
+                                              <p:pRg st="2" end="2"/>
+                                            </p:txEl>
+                                          </p:spTgt>
+                                        </p:tgtEl>
+                                      </p:cBhvr>
+                                      <p:to x="100000" y="80000"/>
+                                    </p:animScale>
+                                    <p:animScale>
+                                      <p:cBhvr>
+                                        <p:cTn id="70" dur="166" decel="50000">
+                                          <p:stCondLst>
+                                            <p:cond delay="1338"/>
+                                          </p:stCondLst>
+                                        </p:cTn>
+                                        <p:tgtEl>
+                                          <p:spTgt spid="3">
+                                            <p:txEl>
+                                              <p:pRg st="2" end="2"/>
+                                            </p:txEl>
+                                          </p:spTgt>
+                                        </p:tgtEl>
+                                      </p:cBhvr>
+                                      <p:to x="100000" y="100000"/>
+                                    </p:animScale>
+                                    <p:animScale>
+                                      <p:cBhvr>
+                                        <p:cTn id="71" dur="26">
+                                          <p:stCondLst>
+                                            <p:cond delay="1642"/>
+                                          </p:stCondLst>
+                                        </p:cTn>
+                                        <p:tgtEl>
+                                          <p:spTgt spid="3">
+                                            <p:txEl>
+                                              <p:pRg st="2" end="2"/>
+                                            </p:txEl>
+                                          </p:spTgt>
+                                        </p:tgtEl>
+                                      </p:cBhvr>
+                                      <p:to x="100000" y="90000"/>
+                                    </p:animScale>
+                                    <p:animScale>
+                                      <p:cBhvr>
+                                        <p:cTn id="72" dur="166" decel="50000">
+                                          <p:stCondLst>
+                                            <p:cond delay="1668"/>
+                                          </p:stCondLst>
+                                        </p:cTn>
+                                        <p:tgtEl>
+                                          <p:spTgt spid="3">
+                                            <p:txEl>
+                                              <p:pRg st="2" end="2"/>
+                                            </p:txEl>
+                                          </p:spTgt>
+                                        </p:tgtEl>
+                                      </p:cBhvr>
+                                      <p:to x="100000" y="100000"/>
+                                    </p:animScale>
+                                    <p:animScale>
+                                      <p:cBhvr>
+                                        <p:cTn id="73" dur="26">
+                                          <p:stCondLst>
+                                            <p:cond delay="1808"/>
+                                          </p:stCondLst>
+                                        </p:cTn>
+                                        <p:tgtEl>
+                                          <p:spTgt spid="3">
+                                            <p:txEl>
+                                              <p:pRg st="2" end="2"/>
+                                            </p:txEl>
+                                          </p:spTgt>
+                                        </p:tgtEl>
+                                      </p:cBhvr>
+                                      <p:to x="100000" y="95000"/>
+                                    </p:animScale>
+                                    <p:animScale>
+                                      <p:cBhvr>
+                                        <p:cTn id="74" dur="166" decel="50000">
+                                          <p:stCondLst>
+                                            <p:cond delay="1834"/>
+                                          </p:stCondLst>
+                                        </p:cTn>
+                                        <p:tgtEl>
+                                          <p:spTgt spid="3">
+                                            <p:txEl>
+                                              <p:pRg st="2" end="2"/>
+                                            </p:txEl>
+                                          </p:spTgt>
+                                        </p:tgtEl>
+                                      </p:cBhvr>
+                                      <p:to x="100000" y="100000"/>
+                                    </p:animScale>
+                                  </p:childTnLst>
+                                </p:cTn>
+                              </p:par>
+                            </p:childTnLst>
+                          </p:cTn>
+                        </p:par>
+                      </p:childTnLst>
+                    </p:cTn>
+                  </p:par>
+                  <p:par>
+                    <p:cTn id="75" fill="hold">
+                      <p:stCondLst>
+                        <p:cond delay="indefinite"/>
+                      </p:stCondLst>
+                      <p:childTnLst>
+                        <p:par>
+                          <p:cTn id="76" fill="hold">
+                            <p:stCondLst>
+                              <p:cond delay="0"/>
+                            </p:stCondLst>
+                            <p:childTnLst>
+                              <p:par>
+                                <p:cTn id="77" presetID="26" presetClass="entr" presetSubtype="0" fill="hold" grpId="0" nodeType="clickEffect">
+                                  <p:stCondLst>
+                                    <p:cond delay="0"/>
+                                  </p:stCondLst>
+                                  <p:childTnLst>
+                                    <p:set>
+                                      <p:cBhvr>
+                                        <p:cTn id="78" dur="1" fill="hold">
+                                          <p:stCondLst>
+                                            <p:cond delay="0"/>
+                                          </p:stCondLst>
+                                        </p:cTn>
+                                        <p:tgtEl>
+                                          <p:spTgt spid="3">
+                                            <p:txEl>
+                                              <p:pRg st="3" end="3"/>
+                                            </p:txEl>
+                                          </p:spTgt>
+                                        </p:tgtEl>
+                                        <p:attrNameLst>
+                                          <p:attrName>style.visibility</p:attrName>
+                                        </p:attrNameLst>
+                                      </p:cBhvr>
+                                      <p:to>
+                                        <p:strVal val="visible"/>
+                                      </p:to>
+                                    </p:set>
+                                    <p:animEffect transition="in" filter="wipe(down)">
+                                      <p:cBhvr>
+                                        <p:cTn id="79" dur="580">
+                                          <p:stCondLst>
+                                            <p:cond delay="0"/>
+                                          </p:stCondLst>
+                                        </p:cTn>
+                                        <p:tgtEl>
+                                          <p:spTgt spid="3">
+                                            <p:txEl>
+                                              <p:pRg st="3" end="3"/>
+                                            </p:txEl>
+                                          </p:spTgt>
+                                        </p:tgtEl>
+                                      </p:cBhvr>
+                                    </p:animEffect>
+                                    <p:anim calcmode="lin" valueType="num">
+                                      <p:cBhvr>
+                                        <p:cTn id="80" dur="1822" tmFilter="0,0; 0.14,0.36; 0.43,0.73; 0.71,0.91; 1.0,1.0">
+                                          <p:stCondLst>
+                                            <p:cond delay="0"/>
+                                          </p:stCondLst>
+                                        </p:cTn>
+                                        <p:tgtEl>
+                                          <p:spTgt spid="3">
+                                            <p:txEl>
+                                              <p:pRg st="3" end="3"/>
+                                            </p:txEl>
+                                          </p:spTgt>
+                                        </p:tgtEl>
+                                        <p:attrNameLst>
+                                          <p:attrName>ppt_x</p:attrName>
+                                        </p:attrNameLst>
+                                      </p:cBhvr>
+                                      <p:tavLst>
+                                        <p:tav tm="0">
+                                          <p:val>
+                                            <p:strVal val="#ppt_x-0.25"/>
+                                          </p:val>
+                                        </p:tav>
+                                        <p:tav tm="100000">
+                                          <p:val>
+                                            <p:strVal val="#ppt_x"/>
+                                          </p:val>
+                                        </p:tav>
+                                      </p:tavLst>
+                                    </p:anim>
+                                    <p:anim calcmode="lin" valueType="num">
+                                      <p:cBhvr>
+                                        <p:cTn id="81" dur="664" tmFilter="0.0,0.0; 0.25,0.07; 0.50,0.2; 0.75,0.467; 1.0,1.0">
+                                          <p:stCondLst>
+                                            <p:cond delay="0"/>
+                                          </p:stCondLst>
+                                        </p:cTn>
+                                        <p:tgtEl>
+                                          <p:spTgt spid="3">
+                                            <p:txEl>
+                                              <p:pRg st="3" end="3"/>
+                                            </p:txEl>
+                                          </p:spTgt>
+                                        </p:tgtEl>
+                                        <p:attrNameLst>
+                                          <p:attrName>ppt_y</p:attrName>
+                                        </p:attrNameLst>
+                                      </p:cBhvr>
+                                      <p:tavLst>
+                                        <p:tav tm="0" fmla="#ppt_y-sin(pi*$)/3">
+                                          <p:val>
+                                            <p:fltVal val="0.5"/>
+                                          </p:val>
+                                        </p:tav>
+                                        <p:tav tm="100000">
+                                          <p:val>
+                                            <p:fltVal val="1"/>
+                                          </p:val>
+                                        </p:tav>
+                                      </p:tavLst>
+                                    </p:anim>
+                                    <p:anim calcmode="lin" valueType="num">
+                                      <p:cBhvr>
+                                        <p:cTn id="82" dur="664" tmFilter="0, 0; 0.125,0.2665; 0.25,0.4; 0.375,0.465; 0.5,0.5;  0.625,0.535; 0.75,0.6; 0.875,0.7335; 1,1">
+                                          <p:stCondLst>
+                                            <p:cond delay="664"/>
+                                          </p:stCondLst>
+                                        </p:cTn>
+                                        <p:tgtEl>
+                                          <p:spTgt spid="3">
+                                            <p:txEl>
+                                              <p:pRg st="3" end="3"/>
+                                            </p:txEl>
+                                          </p:spTgt>
+                                        </p:tgtEl>
+                                        <p:attrNameLst>
+                                          <p:attrName>ppt_y</p:attrName>
+                                        </p:attrNameLst>
+                                      </p:cBhvr>
+                                      <p:tavLst>
+                                        <p:tav tm="0" fmla="#ppt_y-sin(pi*$)/9">
+                                          <p:val>
+                                            <p:fltVal val="0"/>
+                                          </p:val>
+                                        </p:tav>
+                                        <p:tav tm="100000">
+                                          <p:val>
+                                            <p:fltVal val="1"/>
+                                          </p:val>
+                                        </p:tav>
+                                      </p:tavLst>
+                                    </p:anim>
+                                    <p:anim calcmode="lin" valueType="num">
+                                      <p:cBhvr>
+                                        <p:cTn id="83" dur="332" tmFilter="0, 0; 0.125,0.2665; 0.25,0.4; 0.375,0.465; 0.5,0.5;  0.625,0.535; 0.75,0.6; 0.875,0.7335; 1,1">
+                                          <p:stCondLst>
+                                            <p:cond delay="1324"/>
+                                          </p:stCondLst>
+                                        </p:cTn>
+                                        <p:tgtEl>
+                                          <p:spTgt spid="3">
+                                            <p:txEl>
+                                              <p:pRg st="3" end="3"/>
+                                            </p:txEl>
+                                          </p:spTgt>
+                                        </p:tgtEl>
+                                        <p:attrNameLst>
+                                          <p:attrName>ppt_y</p:attrName>
+                                        </p:attrNameLst>
+                                      </p:cBhvr>
+                                      <p:tavLst>
+                                        <p:tav tm="0" fmla="#ppt_y-sin(pi*$)/27">
+                                          <p:val>
+                                            <p:fltVal val="0"/>
+                                          </p:val>
+                                        </p:tav>
+                                        <p:tav tm="100000">
+                                          <p:val>
+                                            <p:fltVal val="1"/>
+                                          </p:val>
+                                        </p:tav>
+                                      </p:tavLst>
+                                    </p:anim>
+                                    <p:anim calcmode="lin" valueType="num">
+                                      <p:cBhvr>
+                                        <p:cTn id="84" dur="164" tmFilter="0, 0; 0.125,0.2665; 0.25,0.4; 0.375,0.465; 0.5,0.5;  0.625,0.535; 0.75,0.6; 0.875,0.7335; 1,1">
+                                          <p:stCondLst>
+                                            <p:cond delay="1656"/>
+                                          </p:stCondLst>
+                                        </p:cTn>
+                                        <p:tgtEl>
+                                          <p:spTgt spid="3">
+                                            <p:txEl>
+                                              <p:pRg st="3" end="3"/>
+                                            </p:txEl>
+                                          </p:spTgt>
+                                        </p:tgtEl>
+                                        <p:attrNameLst>
+                                          <p:attrName>ppt_y</p:attrName>
+                                        </p:attrNameLst>
+                                      </p:cBhvr>
+                                      <p:tavLst>
+                                        <p:tav tm="0" fmla="#ppt_y-sin(pi*$)/81">
+                                          <p:val>
+                                            <p:fltVal val="0"/>
+                                          </p:val>
+                                        </p:tav>
+                                        <p:tav tm="100000">
+                                          <p:val>
+                                            <p:fltVal val="1"/>
+                                          </p:val>
+                                        </p:tav>
+                                      </p:tavLst>
+                                    </p:anim>
+                                    <p:animScale>
+                                      <p:cBhvr>
+                                        <p:cTn id="85" dur="26">
+                                          <p:stCondLst>
+                                            <p:cond delay="650"/>
+                                          </p:stCondLst>
+                                        </p:cTn>
+                                        <p:tgtEl>
+                                          <p:spTgt spid="3">
+                                            <p:txEl>
+                                              <p:pRg st="3" end="3"/>
+                                            </p:txEl>
+                                          </p:spTgt>
+                                        </p:tgtEl>
+                                      </p:cBhvr>
+                                      <p:to x="100000" y="60000"/>
+                                    </p:animScale>
+                                    <p:animScale>
+                                      <p:cBhvr>
+                                        <p:cTn id="86" dur="166" decel="50000">
+                                          <p:stCondLst>
+                                            <p:cond delay="676"/>
+                                          </p:stCondLst>
+                                        </p:cTn>
+                                        <p:tgtEl>
+                                          <p:spTgt spid="3">
+                                            <p:txEl>
+                                              <p:pRg st="3" end="3"/>
+                                            </p:txEl>
+                                          </p:spTgt>
+                                        </p:tgtEl>
+                                      </p:cBhvr>
+                                      <p:to x="100000" y="100000"/>
+                                    </p:animScale>
+                                    <p:animScale>
+                                      <p:cBhvr>
+                                        <p:cTn id="87" dur="26">
+                                          <p:stCondLst>
+                                            <p:cond delay="1312"/>
+                                          </p:stCondLst>
+                                        </p:cTn>
+                                        <p:tgtEl>
+                                          <p:spTgt spid="3">
+                                            <p:txEl>
+                                              <p:pRg st="3" end="3"/>
+                                            </p:txEl>
+                                          </p:spTgt>
+                                        </p:tgtEl>
+                                      </p:cBhvr>
+                                      <p:to x="100000" y="80000"/>
+                                    </p:animScale>
+                                    <p:animScale>
+                                      <p:cBhvr>
+                                        <p:cTn id="88" dur="166" decel="50000">
+                                          <p:stCondLst>
+                                            <p:cond delay="1338"/>
+                                          </p:stCondLst>
+                                        </p:cTn>
+                                        <p:tgtEl>
+                                          <p:spTgt spid="3">
+                                            <p:txEl>
+                                              <p:pRg st="3" end="3"/>
+                                            </p:txEl>
+                                          </p:spTgt>
+                                        </p:tgtEl>
+                                      </p:cBhvr>
+                                      <p:to x="100000" y="100000"/>
+                                    </p:animScale>
+                                    <p:animScale>
+                                      <p:cBhvr>
+                                        <p:cTn id="89" dur="26">
+                                          <p:stCondLst>
+                                            <p:cond delay="1642"/>
+                                          </p:stCondLst>
+                                        </p:cTn>
+                                        <p:tgtEl>
+                                          <p:spTgt spid="3">
+                                            <p:txEl>
+                                              <p:pRg st="3" end="3"/>
+                                            </p:txEl>
+                                          </p:spTgt>
+                                        </p:tgtEl>
+                                      </p:cBhvr>
+                                      <p:to x="100000" y="90000"/>
+                                    </p:animScale>
+                                    <p:animScale>
+                                      <p:cBhvr>
+                                        <p:cTn id="90" dur="166" decel="50000">
+                                          <p:stCondLst>
+                                            <p:cond delay="1668"/>
+                                          </p:stCondLst>
+                                        </p:cTn>
+                                        <p:tgtEl>
+                                          <p:spTgt spid="3">
+                                            <p:txEl>
+                                              <p:pRg st="3" end="3"/>
+                                            </p:txEl>
+                                          </p:spTgt>
+                                        </p:tgtEl>
+                                      </p:cBhvr>
+                                      <p:to x="100000" y="100000"/>
+                                    </p:animScale>
+                                    <p:animScale>
+                                      <p:cBhvr>
+                                        <p:cTn id="91" dur="26">
+                                          <p:stCondLst>
+                                            <p:cond delay="1808"/>
+                                          </p:stCondLst>
+                                        </p:cTn>
+                                        <p:tgtEl>
+                                          <p:spTgt spid="3">
+                                            <p:txEl>
+                                              <p:pRg st="3" end="3"/>
+                                            </p:txEl>
+                                          </p:spTgt>
+                                        </p:tgtEl>
+                                      </p:cBhvr>
+                                      <p:to x="100000" y="95000"/>
+                                    </p:animScale>
+                                    <p:animScale>
+                                      <p:cBhvr>
+                                        <p:cTn id="92" dur="166" decel="50000">
+                                          <p:stCondLst>
+                                            <p:cond delay="1834"/>
+                                          </p:stCondLst>
+                                        </p:cTn>
+                                        <p:tgtEl>
+                                          <p:spTgt spid="3">
+                                            <p:txEl>
+                                              <p:pRg st="3" end="3"/>
+                                            </p:txEl>
+                                          </p:spTgt>
+                                        </p:tgtEl>
+                                      </p:cBhvr>
+                                      <p:to x="100000" y="100000"/>
+                                    </p:animScale>
+                                  </p:childTnLst>
+                                </p:cTn>
+                              </p:par>
+                            </p:childTnLst>
+                          </p:cTn>
+                        </p:par>
+                      </p:childTnLst>
+                    </p:cTn>
+                  </p:par>
+                </p:childTnLst>
+              </p:cTn>
+              <p:prevCondLst>
+                <p:cond evt="onPrev" delay="0">
+                  <p:tgtEl>
+                    <p:sldTgt/>
+                  </p:tgtEl>
+                </p:cond>
+              </p:prevCondLst>
+              <p:nextCondLst>
+                <p:cond evt="onNext" delay="0">
+                  <p:tgtEl>
+                    <p:sldTgt/>
+                  </p:tgtEl>
+                </p:cond>
+              </p:nextCondLst>
+            </p:seq>
+          </p:childTnLst>
+        </p:cTn>
+      </p:par>
+    </p:tnLst>
+    <p:bldLst>
+      <p:bldP spid="2" grpId="0"/>
+      <p:bldP spid="3" grpId="0" build="p"/>
+    </p:bldLst>
+  </p:timing>
 </p:sld>
 </file>
 
@@ -4287,6 +6092,9 @@
   <p:clrMapOvr>
     <a:masterClrMapping/>
   </p:clrMapOvr>
+  <p:transition spd="slow">
+    <p:push dir="u"/>
+  </p:transition>
 </p:sld>
 </file>
 
@@ -4711,6 +6519,18 @@
   <p:clrMapOvr>
     <a:masterClrMapping/>
   </p:clrMapOvr>
+  <mc:AlternateContent xmlns:mc="http://schemas.openxmlformats.org/markup-compatibility/2006">
+    <mc:Choice xmlns:p14="http://schemas.microsoft.com/office/powerpoint/2010/main" Requires="p14">
+      <p:transition spd="slow" p14:dur="3400">
+        <p14:reveal/>
+      </p:transition>
+    </mc:Choice>
+    <mc:Fallback>
+      <p:transition spd="slow">
+        <p:fade/>
+      </p:transition>
+    </mc:Fallback>
+  </mc:AlternateContent>
 </p:sld>
 </file>
 
@@ -5228,6 +7048,9 @@
   <p:clrMapOvr>
     <a:masterClrMapping/>
   </p:clrMapOvr>
+  <p:transition spd="slow">
+    <p:randomBar dir="vert"/>
+  </p:transition>
 </p:sld>
 </file>
 
@@ -5528,6 +7351,18 @@
   <p:clrMapOvr>
     <a:masterClrMapping/>
   </p:clrMapOvr>
+  <mc:AlternateContent xmlns:mc="http://schemas.openxmlformats.org/markup-compatibility/2006">
+    <mc:Choice xmlns:p14="http://schemas.microsoft.com/office/powerpoint/2010/main" Requires="p14">
+      <p:transition spd="slow" p14:dur="800">
+        <p:circle/>
+      </p:transition>
+    </mc:Choice>
+    <mc:Fallback>
+      <p:transition spd="slow">
+        <p:circle/>
+      </p:transition>
+    </mc:Fallback>
+  </mc:AlternateContent>
 </p:sld>
 </file>
 
@@ -5794,7 +7629,7 @@
         </p:blipFill>
         <p:spPr>
           <a:xfrm>
-            <a:off x="1171833" y="1905056"/>
+            <a:off x="1242172" y="1953703"/>
             <a:ext cx="5482280" cy="4077617"/>
           </a:xfrm>
           <a:prstGeom prst="rect">
@@ -5838,8 +7673,24 @@
               <a:buChar char="•"/>
             </a:pPr>
             <a:r>
-              <a:rPr lang="fr-FR"/>
-              <a:t>Les classes House et Stadium redéfinissent chacune  la méthode accept(Visitor visitor) pour permettre l'accès à leur état.</a:t>
+              <a:rPr lang="fr-FR" dirty="0"/>
+              <a:t>Les classes House et Stadium redéfinissent chacune  la méthode </a:t>
+            </a:r>
+            <a:r>
+              <a:rPr lang="fr-FR" dirty="0" err="1"/>
+              <a:t>accept</a:t>
+            </a:r>
+            <a:r>
+              <a:rPr lang="fr-FR" dirty="0"/>
+              <a:t>(Visitor </a:t>
+            </a:r>
+            <a:r>
+              <a:rPr lang="fr-FR" dirty="0" err="1"/>
+              <a:t>visitor</a:t>
+            </a:r>
+            <a:r>
+              <a:rPr lang="fr-FR" dirty="0"/>
+              <a:t>) pour permettre l'accès à leur état.</a:t>
             </a:r>
           </a:p>
           <a:p>
@@ -5848,8 +7699,16 @@
               <a:buChar char="•"/>
             </a:pPr>
             <a:r>
-              <a:rPr lang="fr-FR"/>
-              <a:t>La classe ConcreteVisitor définit une implémentation pour chaque méthode de l'interface Visitor afin que le traitement soit effectué.</a:t>
+              <a:rPr lang="fr-FR" dirty="0"/>
+              <a:t>La classe </a:t>
+            </a:r>
+            <a:r>
+              <a:rPr lang="fr-FR" dirty="0" err="1"/>
+              <a:t>ConcreteVisitor</a:t>
+            </a:r>
+            <a:r>
+              <a:rPr lang="fr-FR" dirty="0"/>
+              <a:t> définit une implémentation pour chaque méthode de l'interface Visitor afin que le traitement soit effectué.</a:t>
             </a:r>
           </a:p>
           <a:p>
@@ -5858,14 +7717,21 @@
               <a:buChar char="•"/>
             </a:pPr>
             <a:r>
-              <a:rPr lang="fr-FR"/>
-              <a:t>La classe App instancie un ConcreteVisitor pour permettre à chaque instance de House/Building d'accepter un </a:t>
-            </a:r>
-            <a:r>
-              <a:rPr lang="fr-FR" b="1"/>
+              <a:rPr lang="fr-FR" dirty="0"/>
+              <a:t>La classe App instancie un </a:t>
+            </a:r>
+            <a:r>
+              <a:rPr lang="fr-FR" dirty="0" err="1"/>
+              <a:t>ConcreteVisitor</a:t>
+            </a:r>
+            <a:r>
+              <a:rPr lang="fr-FR" dirty="0"/>
+              <a:t> pour permettre à chaque instance de House/Building d'accepter un </a:t>
+            </a:r>
+            <a:r>
+              <a:rPr lang="fr-FR" b="1" dirty="0"/>
               <a:t>visiteur.</a:t>
             </a:r>
-            <a:endParaRPr lang="fr-FR" b="1" dirty="0"/>
           </a:p>
         </p:txBody>
       </p:sp>
@@ -5873,6 +7739,740 @@
     <p:extLst>
       <p:ext uri="{BB962C8B-B14F-4D97-AF65-F5344CB8AC3E}">
         <p14:creationId xmlns:p14="http://schemas.microsoft.com/office/powerpoint/2010/main" val="3489803366"/>
+      </p:ext>
+    </p:extLst>
+  </p:cSld>
+  <p:clrMapOvr>
+    <a:masterClrMapping/>
+  </p:clrMapOvr>
+  <mc:AlternateContent xmlns:mc="http://schemas.openxmlformats.org/markup-compatibility/2006">
+    <mc:Choice xmlns:p14="http://schemas.microsoft.com/office/powerpoint/2010/main" Requires="p14">
+      <p:transition spd="slow" p14:dur="4400">
+        <p14:honeycomb/>
+      </p:transition>
+    </mc:Choice>
+    <mc:Fallback>
+      <p:transition spd="slow">
+        <p:fade/>
+      </p:transition>
+    </mc:Fallback>
+  </mc:AlternateContent>
+  <p:timing>
+    <p:tnLst>
+      <p:par>
+        <p:cTn id="1" dur="indefinite" restart="never" nodeType="tmRoot">
+          <p:childTnLst>
+            <p:seq concurrent="1" nextAc="seek">
+              <p:cTn id="2" dur="indefinite" nodeType="mainSeq">
+                <p:childTnLst>
+                  <p:par>
+                    <p:cTn id="3" fill="hold">
+                      <p:stCondLst>
+                        <p:cond delay="indefinite"/>
+                      </p:stCondLst>
+                      <p:childTnLst>
+                        <p:par>
+                          <p:cTn id="4" fill="hold">
+                            <p:stCondLst>
+                              <p:cond delay="0"/>
+                            </p:stCondLst>
+                            <p:childTnLst>
+                              <p:par>
+                                <p:cTn id="5" presetID="26" presetClass="entr" presetSubtype="0" fill="hold" nodeType="clickEffect">
+                                  <p:stCondLst>
+                                    <p:cond delay="0"/>
+                                  </p:stCondLst>
+                                  <p:childTnLst>
+                                    <p:set>
+                                      <p:cBhvr>
+                                        <p:cTn id="6" dur="1" fill="hold">
+                                          <p:stCondLst>
+                                            <p:cond delay="0"/>
+                                          </p:stCondLst>
+                                        </p:cTn>
+                                        <p:tgtEl>
+                                          <p:spTgt spid="4"/>
+                                        </p:tgtEl>
+                                        <p:attrNameLst>
+                                          <p:attrName>style.visibility</p:attrName>
+                                        </p:attrNameLst>
+                                      </p:cBhvr>
+                                      <p:to>
+                                        <p:strVal val="visible"/>
+                                      </p:to>
+                                    </p:set>
+                                    <p:animEffect transition="in" filter="wipe(down)">
+                                      <p:cBhvr>
+                                        <p:cTn id="7" dur="580">
+                                          <p:stCondLst>
+                                            <p:cond delay="0"/>
+                                          </p:stCondLst>
+                                        </p:cTn>
+                                        <p:tgtEl>
+                                          <p:spTgt spid="4"/>
+                                        </p:tgtEl>
+                                      </p:cBhvr>
+                                    </p:animEffect>
+                                    <p:anim calcmode="lin" valueType="num">
+                                      <p:cBhvr>
+                                        <p:cTn id="8" dur="1822" tmFilter="0,0; 0.14,0.36; 0.43,0.73; 0.71,0.91; 1.0,1.0">
+                                          <p:stCondLst>
+                                            <p:cond delay="0"/>
+                                          </p:stCondLst>
+                                        </p:cTn>
+                                        <p:tgtEl>
+                                          <p:spTgt spid="4"/>
+                                        </p:tgtEl>
+                                        <p:attrNameLst>
+                                          <p:attrName>ppt_x</p:attrName>
+                                        </p:attrNameLst>
+                                      </p:cBhvr>
+                                      <p:tavLst>
+                                        <p:tav tm="0">
+                                          <p:val>
+                                            <p:strVal val="#ppt_x-0.25"/>
+                                          </p:val>
+                                        </p:tav>
+                                        <p:tav tm="100000">
+                                          <p:val>
+                                            <p:strVal val="#ppt_x"/>
+                                          </p:val>
+                                        </p:tav>
+                                      </p:tavLst>
+                                    </p:anim>
+                                    <p:anim calcmode="lin" valueType="num">
+                                      <p:cBhvr>
+                                        <p:cTn id="9" dur="664" tmFilter="0.0,0.0; 0.25,0.07; 0.50,0.2; 0.75,0.467; 1.0,1.0">
+                                          <p:stCondLst>
+                                            <p:cond delay="0"/>
+                                          </p:stCondLst>
+                                        </p:cTn>
+                                        <p:tgtEl>
+                                          <p:spTgt spid="4"/>
+                                        </p:tgtEl>
+                                        <p:attrNameLst>
+                                          <p:attrName>ppt_y</p:attrName>
+                                        </p:attrNameLst>
+                                      </p:cBhvr>
+                                      <p:tavLst>
+                                        <p:tav tm="0" fmla="#ppt_y-sin(pi*$)/3">
+                                          <p:val>
+                                            <p:fltVal val="0.5"/>
+                                          </p:val>
+                                        </p:tav>
+                                        <p:tav tm="100000">
+                                          <p:val>
+                                            <p:fltVal val="1"/>
+                                          </p:val>
+                                        </p:tav>
+                                      </p:tavLst>
+                                    </p:anim>
+                                    <p:anim calcmode="lin" valueType="num">
+                                      <p:cBhvr>
+                                        <p:cTn id="10" dur="664" tmFilter="0, 0; 0.125,0.2665; 0.25,0.4; 0.375,0.465; 0.5,0.5;  0.625,0.535; 0.75,0.6; 0.875,0.7335; 1,1">
+                                          <p:stCondLst>
+                                            <p:cond delay="664"/>
+                                          </p:stCondLst>
+                                        </p:cTn>
+                                        <p:tgtEl>
+                                          <p:spTgt spid="4"/>
+                                        </p:tgtEl>
+                                        <p:attrNameLst>
+                                          <p:attrName>ppt_y</p:attrName>
+                                        </p:attrNameLst>
+                                      </p:cBhvr>
+                                      <p:tavLst>
+                                        <p:tav tm="0" fmla="#ppt_y-sin(pi*$)/9">
+                                          <p:val>
+                                            <p:fltVal val="0"/>
+                                          </p:val>
+                                        </p:tav>
+                                        <p:tav tm="100000">
+                                          <p:val>
+                                            <p:fltVal val="1"/>
+                                          </p:val>
+                                        </p:tav>
+                                      </p:tavLst>
+                                    </p:anim>
+                                    <p:anim calcmode="lin" valueType="num">
+                                      <p:cBhvr>
+                                        <p:cTn id="11" dur="332" tmFilter="0, 0; 0.125,0.2665; 0.25,0.4; 0.375,0.465; 0.5,0.5;  0.625,0.535; 0.75,0.6; 0.875,0.7335; 1,1">
+                                          <p:stCondLst>
+                                            <p:cond delay="1324"/>
+                                          </p:stCondLst>
+                                        </p:cTn>
+                                        <p:tgtEl>
+                                          <p:spTgt spid="4"/>
+                                        </p:tgtEl>
+                                        <p:attrNameLst>
+                                          <p:attrName>ppt_y</p:attrName>
+                                        </p:attrNameLst>
+                                      </p:cBhvr>
+                                      <p:tavLst>
+                                        <p:tav tm="0" fmla="#ppt_y-sin(pi*$)/27">
+                                          <p:val>
+                                            <p:fltVal val="0"/>
+                                          </p:val>
+                                        </p:tav>
+                                        <p:tav tm="100000">
+                                          <p:val>
+                                            <p:fltVal val="1"/>
+                                          </p:val>
+                                        </p:tav>
+                                      </p:tavLst>
+                                    </p:anim>
+                                    <p:anim calcmode="lin" valueType="num">
+                                      <p:cBhvr>
+                                        <p:cTn id="12" dur="164" tmFilter="0, 0; 0.125,0.2665; 0.25,0.4; 0.375,0.465; 0.5,0.5;  0.625,0.535; 0.75,0.6; 0.875,0.7335; 1,1">
+                                          <p:stCondLst>
+                                            <p:cond delay="1656"/>
+                                          </p:stCondLst>
+                                        </p:cTn>
+                                        <p:tgtEl>
+                                          <p:spTgt spid="4"/>
+                                        </p:tgtEl>
+                                        <p:attrNameLst>
+                                          <p:attrName>ppt_y</p:attrName>
+                                        </p:attrNameLst>
+                                      </p:cBhvr>
+                                      <p:tavLst>
+                                        <p:tav tm="0" fmla="#ppt_y-sin(pi*$)/81">
+                                          <p:val>
+                                            <p:fltVal val="0"/>
+                                          </p:val>
+                                        </p:tav>
+                                        <p:tav tm="100000">
+                                          <p:val>
+                                            <p:fltVal val="1"/>
+                                          </p:val>
+                                        </p:tav>
+                                      </p:tavLst>
+                                    </p:anim>
+                                    <p:animScale>
+                                      <p:cBhvr>
+                                        <p:cTn id="13" dur="26">
+                                          <p:stCondLst>
+                                            <p:cond delay="650"/>
+                                          </p:stCondLst>
+                                        </p:cTn>
+                                        <p:tgtEl>
+                                          <p:spTgt spid="4"/>
+                                        </p:tgtEl>
+                                      </p:cBhvr>
+                                      <p:to x="100000" y="60000"/>
+                                    </p:animScale>
+                                    <p:animScale>
+                                      <p:cBhvr>
+                                        <p:cTn id="14" dur="166" decel="50000">
+                                          <p:stCondLst>
+                                            <p:cond delay="676"/>
+                                          </p:stCondLst>
+                                        </p:cTn>
+                                        <p:tgtEl>
+                                          <p:spTgt spid="4"/>
+                                        </p:tgtEl>
+                                      </p:cBhvr>
+                                      <p:to x="100000" y="100000"/>
+                                    </p:animScale>
+                                    <p:animScale>
+                                      <p:cBhvr>
+                                        <p:cTn id="15" dur="26">
+                                          <p:stCondLst>
+                                            <p:cond delay="1312"/>
+                                          </p:stCondLst>
+                                        </p:cTn>
+                                        <p:tgtEl>
+                                          <p:spTgt spid="4"/>
+                                        </p:tgtEl>
+                                      </p:cBhvr>
+                                      <p:to x="100000" y="80000"/>
+                                    </p:animScale>
+                                    <p:animScale>
+                                      <p:cBhvr>
+                                        <p:cTn id="16" dur="166" decel="50000">
+                                          <p:stCondLst>
+                                            <p:cond delay="1338"/>
+                                          </p:stCondLst>
+                                        </p:cTn>
+                                        <p:tgtEl>
+                                          <p:spTgt spid="4"/>
+                                        </p:tgtEl>
+                                      </p:cBhvr>
+                                      <p:to x="100000" y="100000"/>
+                                    </p:animScale>
+                                    <p:animScale>
+                                      <p:cBhvr>
+                                        <p:cTn id="17" dur="26">
+                                          <p:stCondLst>
+                                            <p:cond delay="1642"/>
+                                          </p:stCondLst>
+                                        </p:cTn>
+                                        <p:tgtEl>
+                                          <p:spTgt spid="4"/>
+                                        </p:tgtEl>
+                                      </p:cBhvr>
+                                      <p:to x="100000" y="90000"/>
+                                    </p:animScale>
+                                    <p:animScale>
+                                      <p:cBhvr>
+                                        <p:cTn id="18" dur="166" decel="50000">
+                                          <p:stCondLst>
+                                            <p:cond delay="1668"/>
+                                          </p:stCondLst>
+                                        </p:cTn>
+                                        <p:tgtEl>
+                                          <p:spTgt spid="4"/>
+                                        </p:tgtEl>
+                                      </p:cBhvr>
+                                      <p:to x="100000" y="100000"/>
+                                    </p:animScale>
+                                    <p:animScale>
+                                      <p:cBhvr>
+                                        <p:cTn id="19" dur="26">
+                                          <p:stCondLst>
+                                            <p:cond delay="1808"/>
+                                          </p:stCondLst>
+                                        </p:cTn>
+                                        <p:tgtEl>
+                                          <p:spTgt spid="4"/>
+                                        </p:tgtEl>
+                                      </p:cBhvr>
+                                      <p:to x="100000" y="95000"/>
+                                    </p:animScale>
+                                    <p:animScale>
+                                      <p:cBhvr>
+                                        <p:cTn id="20" dur="166" decel="50000">
+                                          <p:stCondLst>
+                                            <p:cond delay="1834"/>
+                                          </p:stCondLst>
+                                        </p:cTn>
+                                        <p:tgtEl>
+                                          <p:spTgt spid="4"/>
+                                        </p:tgtEl>
+                                      </p:cBhvr>
+                                      <p:to x="100000" y="100000"/>
+                                    </p:animScale>
+                                  </p:childTnLst>
+                                </p:cTn>
+                              </p:par>
+                              <p:par>
+                                <p:cTn id="21" presetID="26" presetClass="entr" presetSubtype="0" fill="hold" grpId="0" nodeType="withEffect">
+                                  <p:stCondLst>
+                                    <p:cond delay="0"/>
+                                  </p:stCondLst>
+                                  <p:childTnLst>
+                                    <p:set>
+                                      <p:cBhvr>
+                                        <p:cTn id="22" dur="1" fill="hold">
+                                          <p:stCondLst>
+                                            <p:cond delay="0"/>
+                                          </p:stCondLst>
+                                        </p:cTn>
+                                        <p:tgtEl>
+                                          <p:spTgt spid="2"/>
+                                        </p:tgtEl>
+                                        <p:attrNameLst>
+                                          <p:attrName>style.visibility</p:attrName>
+                                        </p:attrNameLst>
+                                      </p:cBhvr>
+                                      <p:to>
+                                        <p:strVal val="visible"/>
+                                      </p:to>
+                                    </p:set>
+                                    <p:animEffect transition="in" filter="wipe(down)">
+                                      <p:cBhvr>
+                                        <p:cTn id="23" dur="580">
+                                          <p:stCondLst>
+                                            <p:cond delay="0"/>
+                                          </p:stCondLst>
+                                        </p:cTn>
+                                        <p:tgtEl>
+                                          <p:spTgt spid="2"/>
+                                        </p:tgtEl>
+                                      </p:cBhvr>
+                                    </p:animEffect>
+                                    <p:anim calcmode="lin" valueType="num">
+                                      <p:cBhvr>
+                                        <p:cTn id="24" dur="1822" tmFilter="0,0; 0.14,0.36; 0.43,0.73; 0.71,0.91; 1.0,1.0">
+                                          <p:stCondLst>
+                                            <p:cond delay="0"/>
+                                          </p:stCondLst>
+                                        </p:cTn>
+                                        <p:tgtEl>
+                                          <p:spTgt spid="2"/>
+                                        </p:tgtEl>
+                                        <p:attrNameLst>
+                                          <p:attrName>ppt_x</p:attrName>
+                                        </p:attrNameLst>
+                                      </p:cBhvr>
+                                      <p:tavLst>
+                                        <p:tav tm="0">
+                                          <p:val>
+                                            <p:strVal val="#ppt_x-0.25"/>
+                                          </p:val>
+                                        </p:tav>
+                                        <p:tav tm="100000">
+                                          <p:val>
+                                            <p:strVal val="#ppt_x"/>
+                                          </p:val>
+                                        </p:tav>
+                                      </p:tavLst>
+                                    </p:anim>
+                                    <p:anim calcmode="lin" valueType="num">
+                                      <p:cBhvr>
+                                        <p:cTn id="25" dur="664" tmFilter="0.0,0.0; 0.25,0.07; 0.50,0.2; 0.75,0.467; 1.0,1.0">
+                                          <p:stCondLst>
+                                            <p:cond delay="0"/>
+                                          </p:stCondLst>
+                                        </p:cTn>
+                                        <p:tgtEl>
+                                          <p:spTgt spid="2"/>
+                                        </p:tgtEl>
+                                        <p:attrNameLst>
+                                          <p:attrName>ppt_y</p:attrName>
+                                        </p:attrNameLst>
+                                      </p:cBhvr>
+                                      <p:tavLst>
+                                        <p:tav tm="0" fmla="#ppt_y-sin(pi*$)/3">
+                                          <p:val>
+                                            <p:fltVal val="0.5"/>
+                                          </p:val>
+                                        </p:tav>
+                                        <p:tav tm="100000">
+                                          <p:val>
+                                            <p:fltVal val="1"/>
+                                          </p:val>
+                                        </p:tav>
+                                      </p:tavLst>
+                                    </p:anim>
+                                    <p:anim calcmode="lin" valueType="num">
+                                      <p:cBhvr>
+                                        <p:cTn id="26" dur="664" tmFilter="0, 0; 0.125,0.2665; 0.25,0.4; 0.375,0.465; 0.5,0.5;  0.625,0.535; 0.75,0.6; 0.875,0.7335; 1,1">
+                                          <p:stCondLst>
+                                            <p:cond delay="664"/>
+                                          </p:stCondLst>
+                                        </p:cTn>
+                                        <p:tgtEl>
+                                          <p:spTgt spid="2"/>
+                                        </p:tgtEl>
+                                        <p:attrNameLst>
+                                          <p:attrName>ppt_y</p:attrName>
+                                        </p:attrNameLst>
+                                      </p:cBhvr>
+                                      <p:tavLst>
+                                        <p:tav tm="0" fmla="#ppt_y-sin(pi*$)/9">
+                                          <p:val>
+                                            <p:fltVal val="0"/>
+                                          </p:val>
+                                        </p:tav>
+                                        <p:tav tm="100000">
+                                          <p:val>
+                                            <p:fltVal val="1"/>
+                                          </p:val>
+                                        </p:tav>
+                                      </p:tavLst>
+                                    </p:anim>
+                                    <p:anim calcmode="lin" valueType="num">
+                                      <p:cBhvr>
+                                        <p:cTn id="27" dur="332" tmFilter="0, 0; 0.125,0.2665; 0.25,0.4; 0.375,0.465; 0.5,0.5;  0.625,0.535; 0.75,0.6; 0.875,0.7335; 1,1">
+                                          <p:stCondLst>
+                                            <p:cond delay="1324"/>
+                                          </p:stCondLst>
+                                        </p:cTn>
+                                        <p:tgtEl>
+                                          <p:spTgt spid="2"/>
+                                        </p:tgtEl>
+                                        <p:attrNameLst>
+                                          <p:attrName>ppt_y</p:attrName>
+                                        </p:attrNameLst>
+                                      </p:cBhvr>
+                                      <p:tavLst>
+                                        <p:tav tm="0" fmla="#ppt_y-sin(pi*$)/27">
+                                          <p:val>
+                                            <p:fltVal val="0"/>
+                                          </p:val>
+                                        </p:tav>
+                                        <p:tav tm="100000">
+                                          <p:val>
+                                            <p:fltVal val="1"/>
+                                          </p:val>
+                                        </p:tav>
+                                      </p:tavLst>
+                                    </p:anim>
+                                    <p:anim calcmode="lin" valueType="num">
+                                      <p:cBhvr>
+                                        <p:cTn id="28" dur="164" tmFilter="0, 0; 0.125,0.2665; 0.25,0.4; 0.375,0.465; 0.5,0.5;  0.625,0.535; 0.75,0.6; 0.875,0.7335; 1,1">
+                                          <p:stCondLst>
+                                            <p:cond delay="1656"/>
+                                          </p:stCondLst>
+                                        </p:cTn>
+                                        <p:tgtEl>
+                                          <p:spTgt spid="2"/>
+                                        </p:tgtEl>
+                                        <p:attrNameLst>
+                                          <p:attrName>ppt_y</p:attrName>
+                                        </p:attrNameLst>
+                                      </p:cBhvr>
+                                      <p:tavLst>
+                                        <p:tav tm="0" fmla="#ppt_y-sin(pi*$)/81">
+                                          <p:val>
+                                            <p:fltVal val="0"/>
+                                          </p:val>
+                                        </p:tav>
+                                        <p:tav tm="100000">
+                                          <p:val>
+                                            <p:fltVal val="1"/>
+                                          </p:val>
+                                        </p:tav>
+                                      </p:tavLst>
+                                    </p:anim>
+                                    <p:animScale>
+                                      <p:cBhvr>
+                                        <p:cTn id="29" dur="26">
+                                          <p:stCondLst>
+                                            <p:cond delay="650"/>
+                                          </p:stCondLst>
+                                        </p:cTn>
+                                        <p:tgtEl>
+                                          <p:spTgt spid="2"/>
+                                        </p:tgtEl>
+                                      </p:cBhvr>
+                                      <p:to x="100000" y="60000"/>
+                                    </p:animScale>
+                                    <p:animScale>
+                                      <p:cBhvr>
+                                        <p:cTn id="30" dur="166" decel="50000">
+                                          <p:stCondLst>
+                                            <p:cond delay="676"/>
+                                          </p:stCondLst>
+                                        </p:cTn>
+                                        <p:tgtEl>
+                                          <p:spTgt spid="2"/>
+                                        </p:tgtEl>
+                                      </p:cBhvr>
+                                      <p:to x="100000" y="100000"/>
+                                    </p:animScale>
+                                    <p:animScale>
+                                      <p:cBhvr>
+                                        <p:cTn id="31" dur="26">
+                                          <p:stCondLst>
+                                            <p:cond delay="1312"/>
+                                          </p:stCondLst>
+                                        </p:cTn>
+                                        <p:tgtEl>
+                                          <p:spTgt spid="2"/>
+                                        </p:tgtEl>
+                                      </p:cBhvr>
+                                      <p:to x="100000" y="80000"/>
+                                    </p:animScale>
+                                    <p:animScale>
+                                      <p:cBhvr>
+                                        <p:cTn id="32" dur="166" decel="50000">
+                                          <p:stCondLst>
+                                            <p:cond delay="1338"/>
+                                          </p:stCondLst>
+                                        </p:cTn>
+                                        <p:tgtEl>
+                                          <p:spTgt spid="2"/>
+                                        </p:tgtEl>
+                                      </p:cBhvr>
+                                      <p:to x="100000" y="100000"/>
+                                    </p:animScale>
+                                    <p:animScale>
+                                      <p:cBhvr>
+                                        <p:cTn id="33" dur="26">
+                                          <p:stCondLst>
+                                            <p:cond delay="1642"/>
+                                          </p:stCondLst>
+                                        </p:cTn>
+                                        <p:tgtEl>
+                                          <p:spTgt spid="2"/>
+                                        </p:tgtEl>
+                                      </p:cBhvr>
+                                      <p:to x="100000" y="90000"/>
+                                    </p:animScale>
+                                    <p:animScale>
+                                      <p:cBhvr>
+                                        <p:cTn id="34" dur="166" decel="50000">
+                                          <p:stCondLst>
+                                            <p:cond delay="1668"/>
+                                          </p:stCondLst>
+                                        </p:cTn>
+                                        <p:tgtEl>
+                                          <p:spTgt spid="2"/>
+                                        </p:tgtEl>
+                                      </p:cBhvr>
+                                      <p:to x="100000" y="100000"/>
+                                    </p:animScale>
+                                    <p:animScale>
+                                      <p:cBhvr>
+                                        <p:cTn id="35" dur="26">
+                                          <p:stCondLst>
+                                            <p:cond delay="1808"/>
+                                          </p:stCondLst>
+                                        </p:cTn>
+                                        <p:tgtEl>
+                                          <p:spTgt spid="2"/>
+                                        </p:tgtEl>
+                                      </p:cBhvr>
+                                      <p:to x="100000" y="95000"/>
+                                    </p:animScale>
+                                    <p:animScale>
+                                      <p:cBhvr>
+                                        <p:cTn id="36" dur="166" decel="50000">
+                                          <p:stCondLst>
+                                            <p:cond delay="1834"/>
+                                          </p:stCondLst>
+                                        </p:cTn>
+                                        <p:tgtEl>
+                                          <p:spTgt spid="2"/>
+                                        </p:tgtEl>
+                                      </p:cBhvr>
+                                      <p:to x="100000" y="100000"/>
+                                    </p:animScale>
+                                  </p:childTnLst>
+                                </p:cTn>
+                              </p:par>
+                            </p:childTnLst>
+                          </p:cTn>
+                        </p:par>
+                      </p:childTnLst>
+                    </p:cTn>
+                  </p:par>
+                  <p:par>
+                    <p:cTn id="37" fill="hold">
+                      <p:stCondLst>
+                        <p:cond delay="indefinite"/>
+                      </p:stCondLst>
+                      <p:childTnLst>
+                        <p:par>
+                          <p:cTn id="38" fill="hold">
+                            <p:stCondLst>
+                              <p:cond delay="0"/>
+                            </p:stCondLst>
+                            <p:childTnLst>
+                              <p:par>
+                                <p:cTn id="39" presetID="10" presetClass="entr" presetSubtype="0" fill="hold" grpId="0" nodeType="clickEffect">
+                                  <p:stCondLst>
+                                    <p:cond delay="0"/>
+                                  </p:stCondLst>
+                                  <p:childTnLst>
+                                    <p:set>
+                                      <p:cBhvr>
+                                        <p:cTn id="40" dur="1" fill="hold">
+                                          <p:stCondLst>
+                                            <p:cond delay="0"/>
+                                          </p:stCondLst>
+                                        </p:cTn>
+                                        <p:tgtEl>
+                                          <p:spTgt spid="5"/>
+                                        </p:tgtEl>
+                                        <p:attrNameLst>
+                                          <p:attrName>style.visibility</p:attrName>
+                                        </p:attrNameLst>
+                                      </p:cBhvr>
+                                      <p:to>
+                                        <p:strVal val="visible"/>
+                                      </p:to>
+                                    </p:set>
+                                    <p:animEffect transition="in" filter="fade">
+                                      <p:cBhvr>
+                                        <p:cTn id="41" dur="500"/>
+                                        <p:tgtEl>
+                                          <p:spTgt spid="5"/>
+                                        </p:tgtEl>
+                                      </p:cBhvr>
+                                    </p:animEffect>
+                                  </p:childTnLst>
+                                </p:cTn>
+                              </p:par>
+                            </p:childTnLst>
+                          </p:cTn>
+                        </p:par>
+                      </p:childTnLst>
+                    </p:cTn>
+                  </p:par>
+                </p:childTnLst>
+              </p:cTn>
+              <p:prevCondLst>
+                <p:cond evt="onPrev" delay="0">
+                  <p:tgtEl>
+                    <p:sldTgt/>
+                  </p:tgtEl>
+                </p:cond>
+              </p:prevCondLst>
+              <p:nextCondLst>
+                <p:cond evt="onNext" delay="0">
+                  <p:tgtEl>
+                    <p:sldTgt/>
+                  </p:tgtEl>
+                </p:cond>
+              </p:nextCondLst>
+            </p:seq>
+          </p:childTnLst>
+        </p:cTn>
+      </p:par>
+    </p:tnLst>
+    <p:bldLst>
+      <p:bldP spid="2" grpId="0"/>
+      <p:bldP spid="5" grpId="0"/>
+    </p:bldLst>
+  </p:timing>
+</p:sld>
+</file>
+
+<file path=ppt/slides/slide7.xml><?xml version="1.0" encoding="utf-8"?>
+<p:sld xmlns:a="http://schemas.openxmlformats.org/drawingml/2006/main" xmlns:r="http://schemas.openxmlformats.org/officeDocument/2006/relationships" xmlns:p="http://schemas.openxmlformats.org/presentationml/2006/main">
+  <p:cSld>
+    <p:spTree>
+      <p:nvGrpSpPr>
+        <p:cNvPr id="1" name=""/>
+        <p:cNvGrpSpPr/>
+        <p:nvPr/>
+      </p:nvGrpSpPr>
+      <p:grpSpPr>
+        <a:xfrm>
+          <a:off x="0" y="0"/>
+          <a:ext cx="0" cy="0"/>
+          <a:chOff x="0" y="0"/>
+          <a:chExt cx="0" cy="0"/>
+        </a:xfrm>
+      </p:grpSpPr>
+      <p:sp>
+        <p:nvSpPr>
+          <p:cNvPr id="2" name="Titre 1">
+            <a:extLst>
+              <a:ext uri="{FF2B5EF4-FFF2-40B4-BE49-F238E27FC236}">
+                <a16:creationId xmlns:a16="http://schemas.microsoft.com/office/drawing/2014/main" id="{BC164203-7A8E-4D55-8F24-DA53DEBB4EF1}"/>
+              </a:ext>
+            </a:extLst>
+          </p:cNvPr>
+          <p:cNvSpPr>
+            <a:spLocks noGrp="1"/>
+          </p:cNvSpPr>
+          <p:nvPr>
+            <p:ph type="title"/>
+          </p:nvPr>
+        </p:nvSpPr>
+        <p:spPr/>
+        <p:txBody>
+          <a:bodyPr>
+            <a:noAutofit/>
+          </a:bodyPr>
+          <a:lstStyle/>
+          <a:p>
+            <a:pPr algn="ctr"/>
+            <a:r>
+              <a:rPr lang="fr-FR" sz="9600" dirty="0"/>
+              <a:t>MERCI</a:t>
+            </a:r>
+          </a:p>
+        </p:txBody>
+      </p:sp>
+    </p:spTree>
+    <p:extLst>
+      <p:ext uri="{BB962C8B-B14F-4D97-AF65-F5344CB8AC3E}">
+        <p14:creationId xmlns:p14="http://schemas.microsoft.com/office/powerpoint/2010/main" val="2740064067"/>
       </p:ext>
     </p:extLst>
   </p:cSld>
